--- a/EduPractice.pptx
+++ b/EduPractice.pptx
@@ -134,7 +134,7 @@
   <pc:docChgLst>
     <pc:chgData name="ai miku" userId="ecb4303718019153" providerId="LiveId" clId="{D1893146-60C9-48EC-8D9E-A8B709AE71EE}"/>
     <pc:docChg chg="undo redo custSel addSld modSld sldOrd">
-      <pc:chgData name="ai miku" userId="ecb4303718019153" providerId="LiveId" clId="{D1893146-60C9-48EC-8D9E-A8B709AE71EE}" dt="2024-02-23T03:16:58.168" v="1515" actId="255"/>
+      <pc:chgData name="ai miku" userId="ecb4303718019153" providerId="LiveId" clId="{D1893146-60C9-48EC-8D9E-A8B709AE71EE}" dt="2024-02-24T01:28:28.362" v="1613" actId="20577"/>
       <pc:docMkLst>
         <pc:docMk/>
       </pc:docMkLst>
@@ -277,7 +277,7 @@
         </pc:spChg>
       </pc:sldChg>
       <pc:sldChg chg="modSp add mod ord">
-        <pc:chgData name="ai miku" userId="ecb4303718019153" providerId="LiveId" clId="{D1893146-60C9-48EC-8D9E-A8B709AE71EE}" dt="2024-02-23T02:59:13.630" v="950" actId="20577"/>
+        <pc:chgData name="ai miku" userId="ecb4303718019153" providerId="LiveId" clId="{D1893146-60C9-48EC-8D9E-A8B709AE71EE}" dt="2024-02-24T01:27:04.452" v="1517" actId="27636"/>
         <pc:sldMkLst>
           <pc:docMk/>
           <pc:sldMk cId="2557213790" sldId="263"/>
@@ -291,7 +291,7 @@
           </ac:spMkLst>
         </pc:spChg>
         <pc:spChg chg="mod">
-          <ac:chgData name="ai miku" userId="ecb4303718019153" providerId="LiveId" clId="{D1893146-60C9-48EC-8D9E-A8B709AE71EE}" dt="2024-02-23T02:59:13.630" v="950" actId="20577"/>
+          <ac:chgData name="ai miku" userId="ecb4303718019153" providerId="LiveId" clId="{D1893146-60C9-48EC-8D9E-A8B709AE71EE}" dt="2024-02-24T01:27:04.452" v="1517" actId="27636"/>
           <ac:spMkLst>
             <pc:docMk/>
             <pc:sldMk cId="2557213790" sldId="263"/>
@@ -323,13 +323,13 @@
         </pc:spChg>
       </pc:sldChg>
       <pc:sldChg chg="modSp add mod">
-        <pc:chgData name="ai miku" userId="ecb4303718019153" providerId="LiveId" clId="{D1893146-60C9-48EC-8D9E-A8B709AE71EE}" dt="2024-02-23T03:12:24.656" v="1508" actId="20577"/>
+        <pc:chgData name="ai miku" userId="ecb4303718019153" providerId="LiveId" clId="{D1893146-60C9-48EC-8D9E-A8B709AE71EE}" dt="2024-02-24T01:28:28.362" v="1613" actId="20577"/>
         <pc:sldMkLst>
           <pc:docMk/>
           <pc:sldMk cId="1360803097" sldId="265"/>
         </pc:sldMkLst>
         <pc:spChg chg="mod">
-          <ac:chgData name="ai miku" userId="ecb4303718019153" providerId="LiveId" clId="{D1893146-60C9-48EC-8D9E-A8B709AE71EE}" dt="2024-02-23T03:11:02.265" v="1389" actId="20577"/>
+          <ac:chgData name="ai miku" userId="ecb4303718019153" providerId="LiveId" clId="{D1893146-60C9-48EC-8D9E-A8B709AE71EE}" dt="2024-02-24T01:27:24.697" v="1533" actId="20577"/>
           <ac:spMkLst>
             <pc:docMk/>
             <pc:sldMk cId="1360803097" sldId="265"/>
@@ -337,11 +337,35 @@
           </ac:spMkLst>
         </pc:spChg>
         <pc:spChg chg="mod">
-          <ac:chgData name="ai miku" userId="ecb4303718019153" providerId="LiveId" clId="{D1893146-60C9-48EC-8D9E-A8B709AE71EE}" dt="2024-02-23T03:12:24.656" v="1508" actId="20577"/>
+          <ac:chgData name="ai miku" userId="ecb4303718019153" providerId="LiveId" clId="{D1893146-60C9-48EC-8D9E-A8B709AE71EE}" dt="2024-02-24T01:28:28.362" v="1613" actId="20577"/>
           <ac:spMkLst>
             <pc:docMk/>
             <pc:sldMk cId="1360803097" sldId="265"/>
             <ac:spMk id="3" creationId="{9D4636F2-D3DA-EAFC-AC86-EE2FA62FF77A}"/>
+          </ac:spMkLst>
+        </pc:spChg>
+      </pc:sldChg>
+    </pc:docChg>
+  </pc:docChgLst>
+  <pc:docChgLst>
+    <pc:chgData name="ai miku" userId="ecb4303718019153" providerId="LiveId" clId="{ECBB9D39-F8B5-254D-AF05-5E2D14BB6D51}"/>
+    <pc:docChg chg="modSld">
+      <pc:chgData name="ai miku" userId="ecb4303718019153" providerId="LiveId" clId="{ECBB9D39-F8B5-254D-AF05-5E2D14BB6D51}" dt="2024-02-23T11:11:14.199" v="16" actId="20577"/>
+      <pc:docMkLst>
+        <pc:docMk/>
+      </pc:docMkLst>
+      <pc:sldChg chg="modSp">
+        <pc:chgData name="ai miku" userId="ecb4303718019153" providerId="LiveId" clId="{ECBB9D39-F8B5-254D-AF05-5E2D14BB6D51}" dt="2024-02-23T11:11:14.199" v="16" actId="20577"/>
+        <pc:sldMkLst>
+          <pc:docMk/>
+          <pc:sldMk cId="1360803097" sldId="265"/>
+        </pc:sldMkLst>
+        <pc:spChg chg="mod">
+          <ac:chgData name="ai miku" userId="ecb4303718019153" providerId="LiveId" clId="{ECBB9D39-F8B5-254D-AF05-5E2D14BB6D51}" dt="2024-02-23T11:11:14.199" v="16" actId="20577"/>
+          <ac:spMkLst>
+            <pc:docMk/>
+            <pc:sldMk cId="1360803097" sldId="265"/>
+            <ac:spMk id="2" creationId="{B3DC083C-EEDF-2F79-C011-B5E5B11AAAE3}"/>
           </ac:spMkLst>
         </pc:spChg>
       </pc:sldChg>
@@ -501,7 +525,7 @@
           <a:p>
             <a:fld id="{326951E3-958F-4611-B170-D081BA0250F9}" type="datetimeFigureOut">
               <a:rPr lang="en-US" smtClean="0"/>
-              <a:t>2/23/2024</a:t>
+              <a:t>2/24/2024</a:t>
             </a:fld>
             <a:endParaRPr lang="en-US"/>
           </a:p>
@@ -699,7 +723,7 @@
           <a:p>
             <a:fld id="{326951E3-958F-4611-B170-D081BA0250F9}" type="datetimeFigureOut">
               <a:rPr lang="en-US" smtClean="0"/>
-              <a:t>2/23/2024</a:t>
+              <a:t>2/24/2024</a:t>
             </a:fld>
             <a:endParaRPr lang="en-US"/>
           </a:p>
@@ -907,7 +931,7 @@
           <a:p>
             <a:fld id="{326951E3-958F-4611-B170-D081BA0250F9}" type="datetimeFigureOut">
               <a:rPr lang="en-US" smtClean="0"/>
-              <a:t>2/23/2024</a:t>
+              <a:t>2/24/2024</a:t>
             </a:fld>
             <a:endParaRPr lang="en-US"/>
           </a:p>
@@ -1105,7 +1129,7 @@
           <a:p>
             <a:fld id="{326951E3-958F-4611-B170-D081BA0250F9}" type="datetimeFigureOut">
               <a:rPr lang="en-US" smtClean="0"/>
-              <a:t>2/23/2024</a:t>
+              <a:t>2/24/2024</a:t>
             </a:fld>
             <a:endParaRPr lang="en-US"/>
           </a:p>
@@ -1382,7 +1406,7 @@
           <a:p>
             <a:fld id="{326951E3-958F-4611-B170-D081BA0250F9}" type="datetimeFigureOut">
               <a:rPr lang="en-US" smtClean="0"/>
-              <a:t>2/23/2024</a:t>
+              <a:t>2/24/2024</a:t>
             </a:fld>
             <a:endParaRPr lang="en-US"/>
           </a:p>
@@ -1647,7 +1671,7 @@
           <a:p>
             <a:fld id="{326951E3-958F-4611-B170-D081BA0250F9}" type="datetimeFigureOut">
               <a:rPr lang="en-US" smtClean="0"/>
-              <a:t>2/23/2024</a:t>
+              <a:t>2/24/2024</a:t>
             </a:fld>
             <a:endParaRPr lang="en-US"/>
           </a:p>
@@ -2069,7 +2093,7 @@
           <a:p>
             <a:fld id="{326951E3-958F-4611-B170-D081BA0250F9}" type="datetimeFigureOut">
               <a:rPr lang="en-US" smtClean="0"/>
-              <a:t>2/23/2024</a:t>
+              <a:t>2/24/2024</a:t>
             </a:fld>
             <a:endParaRPr lang="en-US"/>
           </a:p>
@@ -2221,7 +2245,7 @@
           <a:p>
             <a:fld id="{326951E3-958F-4611-B170-D081BA0250F9}" type="datetimeFigureOut">
               <a:rPr lang="en-US" smtClean="0"/>
-              <a:t>2/23/2024</a:t>
+              <a:t>2/24/2024</a:t>
             </a:fld>
             <a:endParaRPr lang="en-US"/>
           </a:p>
@@ -2334,7 +2358,7 @@
           <a:p>
             <a:fld id="{326951E3-958F-4611-B170-D081BA0250F9}" type="datetimeFigureOut">
               <a:rPr lang="en-US" smtClean="0"/>
-              <a:t>2/23/2024</a:t>
+              <a:t>2/24/2024</a:t>
             </a:fld>
             <a:endParaRPr lang="en-US"/>
           </a:p>
@@ -2652,7 +2676,7 @@
           <a:p>
             <a:fld id="{326951E3-958F-4611-B170-D081BA0250F9}" type="datetimeFigureOut">
               <a:rPr lang="en-US" smtClean="0"/>
-              <a:t>2/23/2024</a:t>
+              <a:t>2/24/2024</a:t>
             </a:fld>
             <a:endParaRPr lang="en-US"/>
           </a:p>
@@ -2988,7 +3012,7 @@
           <a:p>
             <a:fld id="{326951E3-958F-4611-B170-D081BA0250F9}" type="datetimeFigureOut">
               <a:rPr lang="en-US" smtClean="0"/>
-              <a:t>2/23/2024</a:t>
+              <a:t>2/24/2024</a:t>
             </a:fld>
             <a:endParaRPr lang="en-US"/>
           </a:p>
@@ -3277,7 +3301,7 @@
             <a:fld id="{326951E3-958F-4611-B170-D081BA0250F9}" type="datetimeFigureOut">
               <a:rPr lang="en-US" smtClean="0"/>
               <a:pPr/>
-              <a:t>2/23/2024</a:t>
+              <a:t>2/24/2024</a:t>
             </a:fld>
             <a:endParaRPr lang="en-US" dirty="0"/>
           </a:p>
@@ -5482,7 +5506,7 @@
         <p:spPr/>
         <p:txBody>
           <a:bodyPr>
-            <a:normAutofit fontScale="92500" lnSpcReduction="20000"/>
+            <a:normAutofit fontScale="92500"/>
           </a:bodyPr>
           <a:lstStyle/>
           <a:p>
@@ -5551,7 +5575,7 @@
               <a:buNone/>
             </a:pPr>
             <a:r>
-              <a:rPr kumimoji="1" lang="en-US" altLang="ja-JP" sz="3200" dirty="0">
+              <a:rPr kumimoji="1" lang="en-US" altLang="ja-JP" sz="3000" dirty="0">
                 <a:solidFill>
                   <a:schemeClr val="tx1"/>
                 </a:solidFill>
@@ -5673,7 +5697,7 @@
                 <a:latin typeface="ふい字" panose="02000609000000000000" pitchFamily="1" charset="-128"/>
                 <a:ea typeface="ふい字" panose="02000609000000000000" pitchFamily="1" charset="-128"/>
               </a:rPr>
-              <a:t>（参考）四季の分かれ目</a:t>
+              <a:t>（参考）四季の分かれ目（気象庁より）</a:t>
             </a:r>
           </a:p>
         </p:txBody>
@@ -5927,6 +5951,28 @@
                 <a:ea typeface="ふい字" panose="02000609000000000000" pitchFamily="1" charset="-128"/>
               </a:rPr>
               <a:t>月</a:t>
+            </a:r>
+            <a:endParaRPr kumimoji="1" lang="en-US" altLang="ja-JP" sz="3600" dirty="0">
+              <a:solidFill>
+                <a:schemeClr val="tx1"/>
+              </a:solidFill>
+              <a:latin typeface="ふい字" panose="02000609000000000000" pitchFamily="1" charset="-128"/>
+              <a:ea typeface="ふい字" panose="02000609000000000000" pitchFamily="1" charset="-128"/>
+            </a:endParaRPr>
+          </a:p>
+          <a:p>
+            <a:pPr marL="0" indent="0">
+              <a:buNone/>
+            </a:pPr>
+            <a:r>
+              <a:rPr kumimoji="1" lang="ja-JP" altLang="en-US" sz="3600" dirty="0">
+                <a:solidFill>
+                  <a:schemeClr val="tx1"/>
+                </a:solidFill>
+                <a:latin typeface="ふい字" panose="02000609000000000000" pitchFamily="1" charset="-128"/>
+                <a:ea typeface="ふい字" panose="02000609000000000000" pitchFamily="1" charset="-128"/>
+              </a:rPr>
+              <a:t>本実習では、この分け方を使うこと</a:t>
             </a:r>
           </a:p>
         </p:txBody>

--- a/EduPractice.pptx
+++ b/EduPractice.pptx
@@ -5,16 +5,17 @@
     <p:sldMasterId id="2147483660" r:id="rId1"/>
   </p:sldMasterIdLst>
   <p:sldIdLst>
-    <p:sldId id="256" r:id="rId2"/>
-    <p:sldId id="257" r:id="rId3"/>
-    <p:sldId id="258" r:id="rId4"/>
-    <p:sldId id="259" r:id="rId5"/>
-    <p:sldId id="260" r:id="rId6"/>
-    <p:sldId id="261" r:id="rId7"/>
-    <p:sldId id="262" r:id="rId8"/>
-    <p:sldId id="263" r:id="rId9"/>
-    <p:sldId id="265" r:id="rId10"/>
-    <p:sldId id="264" r:id="rId11"/>
+    <p:sldId id="266" r:id="rId2"/>
+    <p:sldId id="256" r:id="rId3"/>
+    <p:sldId id="257" r:id="rId4"/>
+    <p:sldId id="258" r:id="rId5"/>
+    <p:sldId id="259" r:id="rId6"/>
+    <p:sldId id="260" r:id="rId7"/>
+    <p:sldId id="261" r:id="rId8"/>
+    <p:sldId id="262" r:id="rId9"/>
+    <p:sldId id="263" r:id="rId10"/>
+    <p:sldId id="265" r:id="rId11"/>
+    <p:sldId id="264" r:id="rId12"/>
   </p:sldIdLst>
   <p:sldSz cx="12192000" cy="6858000"/>
   <p:notesSz cx="6858000" cy="9144000"/>
@@ -124,7 +125,7 @@
 <file path=ppt/revisionInfo.xml><?xml version="1.0" encoding="utf-8"?>
 <p1510:revInfo xmlns:a="http://schemas.openxmlformats.org/drawingml/2006/main" xmlns:r="http://schemas.openxmlformats.org/officeDocument/2006/relationships" xmlns:p1510="http://schemas.microsoft.com/office/powerpoint/2015/10/main">
   <p1510:revLst>
-    <p1510:client id="{D1893146-60C9-48EC-8D9E-A8B709AE71EE}" v="2" dt="2024-02-23T02:34:46.361"/>
+    <p1510:client id="{D1893146-60C9-48EC-8D9E-A8B709AE71EE}" v="4" dt="2024-02-24T04:27:32.501"/>
   </p1510:revLst>
 </p1510:revInfo>
 </file>
@@ -134,7 +135,7 @@
   <pc:docChgLst>
     <pc:chgData name="ai miku" userId="ecb4303718019153" providerId="LiveId" clId="{D1893146-60C9-48EC-8D9E-A8B709AE71EE}"/>
     <pc:docChg chg="undo redo custSel addSld modSld sldOrd">
-      <pc:chgData name="ai miku" userId="ecb4303718019153" providerId="LiveId" clId="{D1893146-60C9-48EC-8D9E-A8B709AE71EE}" dt="2024-02-24T01:28:28.362" v="1613" actId="20577"/>
+      <pc:chgData name="ai miku" userId="ecb4303718019153" providerId="LiveId" clId="{D1893146-60C9-48EC-8D9E-A8B709AE71EE}" dt="2024-02-24T06:33:53.898" v="1916" actId="20577"/>
       <pc:docMkLst>
         <pc:docMk/>
       </pc:docMkLst>
@@ -154,7 +155,7 @@
         </pc:spChg>
       </pc:sldChg>
       <pc:sldChg chg="addSp delSp modSp add mod modClrScheme chgLayout">
-        <pc:chgData name="ai miku" userId="ecb4303718019153" providerId="LiveId" clId="{D1893146-60C9-48EC-8D9E-A8B709AE71EE}" dt="2024-02-23T02:20:44.465" v="259" actId="20577"/>
+        <pc:chgData name="ai miku" userId="ecb4303718019153" providerId="LiveId" clId="{D1893146-60C9-48EC-8D9E-A8B709AE71EE}" dt="2024-02-24T06:33:53.898" v="1916" actId="20577"/>
         <pc:sldMkLst>
           <pc:docMk/>
           <pc:sldMk cId="1560349088" sldId="258"/>
@@ -176,7 +177,7 @@
           </ac:spMkLst>
         </pc:spChg>
         <pc:spChg chg="add mod ord">
-          <ac:chgData name="ai miku" userId="ecb4303718019153" providerId="LiveId" clId="{D1893146-60C9-48EC-8D9E-A8B709AE71EE}" dt="2024-02-23T02:20:44.465" v="259" actId="20577"/>
+          <ac:chgData name="ai miku" userId="ecb4303718019153" providerId="LiveId" clId="{D1893146-60C9-48EC-8D9E-A8B709AE71EE}" dt="2024-02-24T06:33:53.898" v="1916" actId="20577"/>
           <ac:spMkLst>
             <pc:docMk/>
             <pc:sldMk cId="1560349088" sldId="258"/>
@@ -254,7 +255,7 @@
         </pc:spChg>
       </pc:sldChg>
       <pc:sldChg chg="modSp mod">
-        <pc:chgData name="ai miku" userId="ecb4303718019153" providerId="LiveId" clId="{D1893146-60C9-48EC-8D9E-A8B709AE71EE}" dt="2024-02-23T02:35:44.867" v="670"/>
+        <pc:chgData name="ai miku" userId="ecb4303718019153" providerId="LiveId" clId="{D1893146-60C9-48EC-8D9E-A8B709AE71EE}" dt="2024-02-24T06:33:09.886" v="1901" actId="20577"/>
         <pc:sldMkLst>
           <pc:docMk/>
           <pc:sldMk cId="2384008986" sldId="262"/>
@@ -268,7 +269,7 @@
           </ac:spMkLst>
         </pc:spChg>
         <pc:spChg chg="mod">
-          <ac:chgData name="ai miku" userId="ecb4303718019153" providerId="LiveId" clId="{D1893146-60C9-48EC-8D9E-A8B709AE71EE}" dt="2024-02-23T02:35:44.867" v="670"/>
+          <ac:chgData name="ai miku" userId="ecb4303718019153" providerId="LiveId" clId="{D1893146-60C9-48EC-8D9E-A8B709AE71EE}" dt="2024-02-24T06:33:09.886" v="1901" actId="20577"/>
           <ac:spMkLst>
             <pc:docMk/>
             <pc:sldMk cId="2384008986" sldId="262"/>
@@ -323,13 +324,13 @@
         </pc:spChg>
       </pc:sldChg>
       <pc:sldChg chg="modSp add mod">
-        <pc:chgData name="ai miku" userId="ecb4303718019153" providerId="LiveId" clId="{D1893146-60C9-48EC-8D9E-A8B709AE71EE}" dt="2024-02-24T01:28:28.362" v="1613" actId="20577"/>
+        <pc:chgData name="ai miku" userId="ecb4303718019153" providerId="LiveId" clId="{D1893146-60C9-48EC-8D9E-A8B709AE71EE}" dt="2024-02-24T06:31:38.899" v="1890" actId="20577"/>
         <pc:sldMkLst>
           <pc:docMk/>
           <pc:sldMk cId="1360803097" sldId="265"/>
         </pc:sldMkLst>
         <pc:spChg chg="mod">
-          <ac:chgData name="ai miku" userId="ecb4303718019153" providerId="LiveId" clId="{D1893146-60C9-48EC-8D9E-A8B709AE71EE}" dt="2024-02-24T01:27:24.697" v="1533" actId="20577"/>
+          <ac:chgData name="ai miku" userId="ecb4303718019153" providerId="LiveId" clId="{D1893146-60C9-48EC-8D9E-A8B709AE71EE}" dt="2024-02-24T06:30:11.644" v="1809" actId="20577"/>
           <ac:spMkLst>
             <pc:docMk/>
             <pc:sldMk cId="1360803097" sldId="265"/>
@@ -337,13 +338,100 @@
           </ac:spMkLst>
         </pc:spChg>
         <pc:spChg chg="mod">
-          <ac:chgData name="ai miku" userId="ecb4303718019153" providerId="LiveId" clId="{D1893146-60C9-48EC-8D9E-A8B709AE71EE}" dt="2024-02-24T01:28:28.362" v="1613" actId="20577"/>
+          <ac:chgData name="ai miku" userId="ecb4303718019153" providerId="LiveId" clId="{D1893146-60C9-48EC-8D9E-A8B709AE71EE}" dt="2024-02-24T06:31:38.899" v="1890" actId="20577"/>
           <ac:spMkLst>
             <pc:docMk/>
             <pc:sldMk cId="1360803097" sldId="265"/>
             <ac:spMk id="3" creationId="{9D4636F2-D3DA-EAFC-AC86-EE2FA62FF77A}"/>
           </ac:spMkLst>
         </pc:spChg>
+      </pc:sldChg>
+      <pc:sldChg chg="addSp delSp modSp add mod ord modClrScheme chgLayout">
+        <pc:chgData name="ai miku" userId="ecb4303718019153" providerId="LiveId" clId="{D1893146-60C9-48EC-8D9E-A8B709AE71EE}" dt="2024-02-24T04:28:12.643" v="1746" actId="1076"/>
+        <pc:sldMkLst>
+          <pc:docMk/>
+          <pc:sldMk cId="4225588227" sldId="266"/>
+        </pc:sldMkLst>
+        <pc:spChg chg="del mod ord">
+          <ac:chgData name="ai miku" userId="ecb4303718019153" providerId="LiveId" clId="{D1893146-60C9-48EC-8D9E-A8B709AE71EE}" dt="2024-02-24T04:17:15.105" v="1618" actId="700"/>
+          <ac:spMkLst>
+            <pc:docMk/>
+            <pc:sldMk cId="4225588227" sldId="266"/>
+            <ac:spMk id="2" creationId="{6D9D8804-0271-EACF-E0C2-0FE4B4B04E7D}"/>
+          </ac:spMkLst>
+        </pc:spChg>
+        <pc:spChg chg="del mod ord">
+          <ac:chgData name="ai miku" userId="ecb4303718019153" providerId="LiveId" clId="{D1893146-60C9-48EC-8D9E-A8B709AE71EE}" dt="2024-02-24T04:19:07.366" v="1706" actId="700"/>
+          <ac:spMkLst>
+            <pc:docMk/>
+            <pc:sldMk cId="4225588227" sldId="266"/>
+            <ac:spMk id="3" creationId="{25104AF3-65D0-4B08-4319-062CBE5EC20F}"/>
+          </ac:spMkLst>
+        </pc:spChg>
+        <pc:spChg chg="add mod ord">
+          <ac:chgData name="ai miku" userId="ecb4303718019153" providerId="LiveId" clId="{D1893146-60C9-48EC-8D9E-A8B709AE71EE}" dt="2024-02-24T04:20:38.619" v="1713" actId="20577"/>
+          <ac:spMkLst>
+            <pc:docMk/>
+            <pc:sldMk cId="4225588227" sldId="266"/>
+            <ac:spMk id="4" creationId="{92BAAC8D-107C-FA0B-862C-150160C0F2E8}"/>
+          </ac:spMkLst>
+        </pc:spChg>
+        <pc:spChg chg="add del mod ord">
+          <ac:chgData name="ai miku" userId="ecb4303718019153" providerId="LiveId" clId="{D1893146-60C9-48EC-8D9E-A8B709AE71EE}" dt="2024-02-24T04:19:52.500" v="1707" actId="700"/>
+          <ac:spMkLst>
+            <pc:docMk/>
+            <pc:sldMk cId="4225588227" sldId="266"/>
+            <ac:spMk id="5" creationId="{A2CE8446-315E-303E-27F8-3A4816DB7481}"/>
+          </ac:spMkLst>
+        </pc:spChg>
+        <pc:spChg chg="add del mod ord">
+          <ac:chgData name="ai miku" userId="ecb4303718019153" providerId="LiveId" clId="{D1893146-60C9-48EC-8D9E-A8B709AE71EE}" dt="2024-02-24T04:19:59.703" v="1708" actId="700"/>
+          <ac:spMkLst>
+            <pc:docMk/>
+            <pc:sldMk cId="4225588227" sldId="266"/>
+            <ac:spMk id="6" creationId="{839A68F1-A0A9-D650-5F8B-2244D415296A}"/>
+          </ac:spMkLst>
+        </pc:spChg>
+        <pc:spChg chg="add del mod ord">
+          <ac:chgData name="ai miku" userId="ecb4303718019153" providerId="LiveId" clId="{D1893146-60C9-48EC-8D9E-A8B709AE71EE}" dt="2024-02-24T04:24:38.553" v="1715" actId="931"/>
+          <ac:spMkLst>
+            <pc:docMk/>
+            <pc:sldMk cId="4225588227" sldId="266"/>
+            <ac:spMk id="7" creationId="{CB25C304-2D6C-0EB9-D08C-9E8AA4A39662}"/>
+          </ac:spMkLst>
+        </pc:spChg>
+        <pc:spChg chg="add mod">
+          <ac:chgData name="ai miku" userId="ecb4303718019153" providerId="LiveId" clId="{D1893146-60C9-48EC-8D9E-A8B709AE71EE}" dt="2024-02-24T04:26:57.319" v="1728" actId="208"/>
+          <ac:spMkLst>
+            <pc:docMk/>
+            <pc:sldMk cId="4225588227" sldId="266"/>
+            <ac:spMk id="10" creationId="{B341254F-BAD0-B982-1E56-16F92E8FB42A}"/>
+          </ac:spMkLst>
+        </pc:spChg>
+        <pc:spChg chg="add mod">
+          <ac:chgData name="ai miku" userId="ecb4303718019153" providerId="LiveId" clId="{D1893146-60C9-48EC-8D9E-A8B709AE71EE}" dt="2024-02-24T04:28:12.643" v="1746" actId="1076"/>
+          <ac:spMkLst>
+            <pc:docMk/>
+            <pc:sldMk cId="4225588227" sldId="266"/>
+            <ac:spMk id="13" creationId="{EDDB6D4D-0AA9-D5ED-15D1-CD1C5E4E61EA}"/>
+          </ac:spMkLst>
+        </pc:spChg>
+        <pc:picChg chg="add mod modCrop">
+          <ac:chgData name="ai miku" userId="ecb4303718019153" providerId="LiveId" clId="{D1893146-60C9-48EC-8D9E-A8B709AE71EE}" dt="2024-02-24T04:26:15.849" v="1725" actId="1076"/>
+          <ac:picMkLst>
+            <pc:docMk/>
+            <pc:sldMk cId="4225588227" sldId="266"/>
+            <ac:picMk id="9" creationId="{033960E8-4DD8-4946-F4F7-17B82E8BD2EB}"/>
+          </ac:picMkLst>
+        </pc:picChg>
+        <pc:cxnChg chg="add">
+          <ac:chgData name="ai miku" userId="ecb4303718019153" providerId="LiveId" clId="{D1893146-60C9-48EC-8D9E-A8B709AE71EE}" dt="2024-02-24T04:27:18.604" v="1729" actId="11529"/>
+          <ac:cxnSpMkLst>
+            <pc:docMk/>
+            <pc:sldMk cId="4225588227" sldId="266"/>
+            <ac:cxnSpMk id="12" creationId="{7E10C9FC-5DD7-AF4C-D26F-AF1B00983E11}"/>
+          </ac:cxnSpMkLst>
+        </pc:cxnChg>
       </pc:sldChg>
     </pc:docChg>
   </pc:docChgLst>
@@ -3749,6 +3837,919 @@
 <file path=ppt/slides/slide1.xml><?xml version="1.0" encoding="utf-8"?>
 <p:sld xmlns:a="http://schemas.openxmlformats.org/drawingml/2006/main" xmlns:r="http://schemas.openxmlformats.org/officeDocument/2006/relationships" xmlns:p="http://schemas.openxmlformats.org/presentationml/2006/main">
   <p:cSld>
+    <p:spTree>
+      <p:nvGrpSpPr>
+        <p:cNvPr id="1" name="">
+          <a:extLst>
+            <a:ext uri="{FF2B5EF4-FFF2-40B4-BE49-F238E27FC236}">
+              <a16:creationId xmlns:a16="http://schemas.microsoft.com/office/drawing/2014/main" id="{C1A10072-CAE1-C15A-9872-CEB344E24890}"/>
+            </a:ext>
+          </a:extLst>
+        </p:cNvPr>
+        <p:cNvGrpSpPr/>
+        <p:nvPr/>
+      </p:nvGrpSpPr>
+      <p:grpSpPr>
+        <a:xfrm>
+          <a:off x="0" y="0"/>
+          <a:ext cx="0" cy="0"/>
+          <a:chOff x="0" y="0"/>
+          <a:chExt cx="0" cy="0"/>
+        </a:xfrm>
+      </p:grpSpPr>
+      <p:sp>
+        <p:nvSpPr>
+          <p:cNvPr id="4" name="タイトル 3">
+            <a:extLst>
+              <a:ext uri="{FF2B5EF4-FFF2-40B4-BE49-F238E27FC236}">
+                <a16:creationId xmlns:a16="http://schemas.microsoft.com/office/drawing/2014/main" id="{92BAAC8D-107C-FA0B-862C-150160C0F2E8}"/>
+              </a:ext>
+            </a:extLst>
+          </p:cNvPr>
+          <p:cNvSpPr>
+            <a:spLocks noGrp="1"/>
+          </p:cNvSpPr>
+          <p:nvPr>
+            <p:ph type="title"/>
+          </p:nvPr>
+        </p:nvSpPr>
+        <p:spPr/>
+        <p:txBody>
+          <a:bodyPr>
+            <a:normAutofit fontScale="90000"/>
+          </a:bodyPr>
+          <a:lstStyle/>
+          <a:p>
+            <a:r>
+              <a:rPr lang="ja-JP" altLang="en-US" dirty="0">
+                <a:latin typeface="ふい字" panose="02000609000000000000" pitchFamily="1" charset="-128"/>
+                <a:ea typeface="ふい字" panose="02000609000000000000" pitchFamily="1" charset="-128"/>
+              </a:rPr>
+              <a:t>この授業の</a:t>
+            </a:r>
+            <a:r>
+              <a:rPr lang="en-US" altLang="ja-JP" dirty="0">
+                <a:latin typeface="ふい字" panose="02000609000000000000" pitchFamily="1" charset="-128"/>
+                <a:ea typeface="ふい字" panose="02000609000000000000" pitchFamily="1" charset="-128"/>
+              </a:rPr>
+              <a:t>Bb</a:t>
+            </a:r>
+            <a:r>
+              <a:rPr lang="ja-JP" altLang="en-US" dirty="0">
+                <a:latin typeface="ふい字" panose="02000609000000000000" pitchFamily="1" charset="-128"/>
+                <a:ea typeface="ふい字" panose="02000609000000000000" pitchFamily="1" charset="-128"/>
+              </a:rPr>
+              <a:t>を開き、「大窪悠斗授業資料」の</a:t>
+            </a:r>
+            <a:r>
+              <a:rPr lang="en-US" altLang="ja-JP" dirty="0">
+                <a:latin typeface="ふい字" panose="02000609000000000000" pitchFamily="1" charset="-128"/>
+                <a:ea typeface="ふい字" panose="02000609000000000000" pitchFamily="1" charset="-128"/>
+              </a:rPr>
+              <a:t>URL</a:t>
+            </a:r>
+            <a:r>
+              <a:rPr lang="ja-JP" altLang="en-US" dirty="0">
+                <a:latin typeface="ふい字" panose="02000609000000000000" pitchFamily="1" charset="-128"/>
+                <a:ea typeface="ふい字" panose="02000609000000000000" pitchFamily="1" charset="-128"/>
+              </a:rPr>
+              <a:t>にアクセスしてください！</a:t>
+            </a:r>
+          </a:p>
+        </p:txBody>
+      </p:sp>
+      <p:pic>
+        <p:nvPicPr>
+          <p:cNvPr id="9" name="コンテンツ プレースホルダー 8" descr="グラフィカル ユーザー インターフェイス, テキスト, アプリケーション, メール&#10;&#10;自動的に生成された説明">
+            <a:extLst>
+              <a:ext uri="{FF2B5EF4-FFF2-40B4-BE49-F238E27FC236}">
+                <a16:creationId xmlns:a16="http://schemas.microsoft.com/office/drawing/2014/main" id="{033960E8-4DD8-4946-F4F7-17B82E8BD2EB}"/>
+              </a:ext>
+            </a:extLst>
+          </p:cNvPr>
+          <p:cNvPicPr>
+            <a:picLocks noGrp="1" noChangeAspect="1"/>
+          </p:cNvPicPr>
+          <p:nvPr>
+            <p:ph idx="1"/>
+          </p:nvPr>
+        </p:nvPicPr>
+        <p:blipFill rotWithShape="1">
+          <a:blip r:embed="rId2">
+            <a:extLst>
+              <a:ext uri="{28A0092B-C50C-407E-A947-70E740481C1C}">
+                <a14:useLocalDpi xmlns:a14="http://schemas.microsoft.com/office/drawing/2010/main" val="0"/>
+              </a:ext>
+            </a:extLst>
+          </a:blip>
+          <a:srcRect l="13719" t="8693" r="5016" b="1"/>
+          <a:stretch/>
+        </p:blipFill>
+        <p:spPr>
+          <a:xfrm>
+            <a:off x="2926080" y="2177219"/>
+            <a:ext cx="5971430" cy="3575996"/>
+          </a:xfrm>
+        </p:spPr>
+      </p:pic>
+      <p:sp>
+        <p:nvSpPr>
+          <p:cNvPr id="10" name="正方形/長方形 9">
+            <a:extLst>
+              <a:ext uri="{FF2B5EF4-FFF2-40B4-BE49-F238E27FC236}">
+                <a16:creationId xmlns:a16="http://schemas.microsoft.com/office/drawing/2014/main" id="{B341254F-BAD0-B982-1E56-16F92E8FB42A}"/>
+              </a:ext>
+            </a:extLst>
+          </p:cNvPr>
+          <p:cNvSpPr/>
+          <p:nvPr/>
+        </p:nvSpPr>
+        <p:spPr>
+          <a:xfrm>
+            <a:off x="3466769" y="4548146"/>
+            <a:ext cx="3315694" cy="620202"/>
+          </a:xfrm>
+          <a:prstGeom prst="rect">
+            <a:avLst/>
+          </a:prstGeom>
+          <a:noFill/>
+          <a:ln>
+            <a:solidFill>
+              <a:srgbClr val="FF0000"/>
+            </a:solidFill>
+          </a:ln>
+        </p:spPr>
+        <p:style>
+          <a:lnRef idx="2">
+            <a:schemeClr val="accent1">
+              <a:shade val="15000"/>
+            </a:schemeClr>
+          </a:lnRef>
+          <a:fillRef idx="1">
+            <a:schemeClr val="accent1"/>
+          </a:fillRef>
+          <a:effectRef idx="0">
+            <a:schemeClr val="accent1"/>
+          </a:effectRef>
+          <a:fontRef idx="minor">
+            <a:schemeClr val="lt1"/>
+          </a:fontRef>
+        </p:style>
+        <p:txBody>
+          <a:bodyPr rtlCol="0" anchor="ctr"/>
+          <a:lstStyle/>
+          <a:p>
+            <a:pPr algn="ctr"/>
+            <a:endParaRPr kumimoji="1" lang="ja-JP" altLang="en-US"/>
+          </a:p>
+        </p:txBody>
+      </p:sp>
+      <p:cxnSp>
+        <p:nvCxnSpPr>
+          <p:cNvPr id="12" name="直線矢印コネクタ 11">
+            <a:extLst>
+              <a:ext uri="{FF2B5EF4-FFF2-40B4-BE49-F238E27FC236}">
+                <a16:creationId xmlns:a16="http://schemas.microsoft.com/office/drawing/2014/main" id="{7E10C9FC-5DD7-AF4C-D26F-AF1B00983E11}"/>
+              </a:ext>
+            </a:extLst>
+          </p:cNvPr>
+          <p:cNvCxnSpPr/>
+          <p:nvPr/>
+        </p:nvCxnSpPr>
+        <p:spPr>
+          <a:xfrm flipH="1" flipV="1">
+            <a:off x="5669280" y="5025224"/>
+            <a:ext cx="1924216" cy="628153"/>
+          </a:xfrm>
+          <a:prstGeom prst="straightConnector1">
+            <a:avLst/>
+          </a:prstGeom>
+          <a:ln>
+            <a:tailEnd type="triangle"/>
+          </a:ln>
+        </p:spPr>
+        <p:style>
+          <a:lnRef idx="1">
+            <a:schemeClr val="accent1"/>
+          </a:lnRef>
+          <a:fillRef idx="0">
+            <a:schemeClr val="accent1"/>
+          </a:fillRef>
+          <a:effectRef idx="0">
+            <a:schemeClr val="accent1"/>
+          </a:effectRef>
+          <a:fontRef idx="minor">
+            <a:schemeClr val="tx1"/>
+          </a:fontRef>
+        </p:style>
+      </p:cxnSp>
+      <p:sp>
+        <p:nvSpPr>
+          <p:cNvPr id="13" name="テキスト ボックス 12">
+            <a:extLst>
+              <a:ext uri="{FF2B5EF4-FFF2-40B4-BE49-F238E27FC236}">
+                <a16:creationId xmlns:a16="http://schemas.microsoft.com/office/drawing/2014/main" id="{EDDB6D4D-0AA9-D5ED-15D1-CD1C5E4E61EA}"/>
+              </a:ext>
+            </a:extLst>
+          </p:cNvPr>
+          <p:cNvSpPr txBox="1"/>
+          <p:nvPr/>
+        </p:nvSpPr>
+        <p:spPr>
+          <a:xfrm>
+            <a:off x="7251590" y="5645518"/>
+            <a:ext cx="2297927" cy="584775"/>
+          </a:xfrm>
+          <a:prstGeom prst="rect">
+            <a:avLst/>
+          </a:prstGeom>
+          <a:noFill/>
+        </p:spPr>
+        <p:txBody>
+          <a:bodyPr wrap="square" rtlCol="0">
+            <a:spAutoFit/>
+          </a:bodyPr>
+          <a:lstStyle/>
+          <a:p>
+            <a:r>
+              <a:rPr kumimoji="1" lang="ja-JP" altLang="en-US" sz="3200" dirty="0">
+                <a:solidFill>
+                  <a:srgbClr val="FF0000"/>
+                </a:solidFill>
+                <a:latin typeface="ふい字" panose="02000609000000000000" pitchFamily="1" charset="-128"/>
+                <a:ea typeface="ふい字" panose="02000609000000000000" pitchFamily="1" charset="-128"/>
+              </a:rPr>
+              <a:t>クリック！</a:t>
+            </a:r>
+          </a:p>
+        </p:txBody>
+      </p:sp>
+    </p:spTree>
+    <p:extLst>
+      <p:ext uri="{BB962C8B-B14F-4D97-AF65-F5344CB8AC3E}">
+        <p14:creationId xmlns:p14="http://schemas.microsoft.com/office/powerpoint/2010/main" val="4225588227"/>
+      </p:ext>
+    </p:extLst>
+  </p:cSld>
+  <p:clrMapOvr>
+    <a:masterClrMapping/>
+  </p:clrMapOvr>
+</p:sld>
+</file>
+
+<file path=ppt/slides/slide10.xml><?xml version="1.0" encoding="utf-8"?>
+<p:sld xmlns:a="http://schemas.openxmlformats.org/drawingml/2006/main" xmlns:r="http://schemas.openxmlformats.org/officeDocument/2006/relationships" xmlns:p="http://schemas.openxmlformats.org/presentationml/2006/main">
+  <p:cSld>
+    <p:spTree>
+      <p:nvGrpSpPr>
+        <p:cNvPr id="1" name="">
+          <a:extLst>
+            <a:ext uri="{FF2B5EF4-FFF2-40B4-BE49-F238E27FC236}">
+              <a16:creationId xmlns:a16="http://schemas.microsoft.com/office/drawing/2014/main" id="{89F21BA8-5216-C0DE-F462-AAF8698F0C31}"/>
+            </a:ext>
+          </a:extLst>
+        </p:cNvPr>
+        <p:cNvGrpSpPr/>
+        <p:nvPr/>
+      </p:nvGrpSpPr>
+      <p:grpSpPr>
+        <a:xfrm>
+          <a:off x="0" y="0"/>
+          <a:ext cx="0" cy="0"/>
+          <a:chOff x="0" y="0"/>
+          <a:chExt cx="0" cy="0"/>
+        </a:xfrm>
+      </p:grpSpPr>
+      <p:sp>
+        <p:nvSpPr>
+          <p:cNvPr id="2" name="タイトル 1">
+            <a:extLst>
+              <a:ext uri="{FF2B5EF4-FFF2-40B4-BE49-F238E27FC236}">
+                <a16:creationId xmlns:a16="http://schemas.microsoft.com/office/drawing/2014/main" id="{B3DC083C-EEDF-2F79-C011-B5E5B11AAAE3}"/>
+              </a:ext>
+            </a:extLst>
+          </p:cNvPr>
+          <p:cNvSpPr>
+            <a:spLocks noGrp="1"/>
+          </p:cNvSpPr>
+          <p:nvPr>
+            <p:ph type="title"/>
+          </p:nvPr>
+        </p:nvSpPr>
+        <p:spPr/>
+        <p:txBody>
+          <a:bodyPr>
+            <a:normAutofit fontScale="90000"/>
+          </a:bodyPr>
+          <a:lstStyle/>
+          <a:p>
+            <a:r>
+              <a:rPr kumimoji="1" lang="ja-JP" altLang="en-US" dirty="0">
+                <a:latin typeface="ふい字" panose="02000609000000000000" pitchFamily="1" charset="-128"/>
+                <a:ea typeface="ふい字" panose="02000609000000000000" pitchFamily="1" charset="-128"/>
+              </a:rPr>
+              <a:t>（参考）四季の分かれ目（気象庁より）</a:t>
+            </a:r>
+            <a:br>
+              <a:rPr kumimoji="1" lang="en-US" altLang="ja-JP" dirty="0">
+                <a:latin typeface="ふい字" panose="02000609000000000000" pitchFamily="1" charset="-128"/>
+                <a:ea typeface="ふい字" panose="02000609000000000000" pitchFamily="1" charset="-128"/>
+              </a:rPr>
+            </a:br>
+            <a:r>
+              <a:rPr kumimoji="1" lang="ja-JP" altLang="en-US" dirty="0">
+                <a:latin typeface="ふい字" panose="02000609000000000000" pitchFamily="1" charset="-128"/>
+                <a:ea typeface="ふい字" panose="02000609000000000000" pitchFamily="1" charset="-128"/>
+              </a:rPr>
+              <a:t>天気図の読み方（新たに必要な知識）</a:t>
+            </a:r>
+          </a:p>
+        </p:txBody>
+      </p:sp>
+      <p:sp>
+        <p:nvSpPr>
+          <p:cNvPr id="3" name="コンテンツ プレースホルダー 2">
+            <a:extLst>
+              <a:ext uri="{FF2B5EF4-FFF2-40B4-BE49-F238E27FC236}">
+                <a16:creationId xmlns:a16="http://schemas.microsoft.com/office/drawing/2014/main" id="{9D4636F2-D3DA-EAFC-AC86-EE2FA62FF77A}"/>
+              </a:ext>
+            </a:extLst>
+          </p:cNvPr>
+          <p:cNvSpPr>
+            <a:spLocks noGrp="1"/>
+          </p:cNvSpPr>
+          <p:nvPr>
+            <p:ph idx="1"/>
+          </p:nvPr>
+        </p:nvSpPr>
+        <p:spPr/>
+        <p:txBody>
+          <a:bodyPr>
+            <a:normAutofit/>
+          </a:bodyPr>
+          <a:lstStyle/>
+          <a:p>
+            <a:r>
+              <a:rPr kumimoji="1" lang="ja-JP" altLang="en-US" sz="3600" dirty="0">
+                <a:solidFill>
+                  <a:schemeClr val="tx1"/>
+                </a:solidFill>
+                <a:latin typeface="ふい字" panose="02000609000000000000" pitchFamily="1" charset="-128"/>
+                <a:ea typeface="ふい字" panose="02000609000000000000" pitchFamily="1" charset="-128"/>
+              </a:rPr>
+              <a:t>春：</a:t>
+            </a:r>
+            <a:r>
+              <a:rPr kumimoji="1" lang="en-US" altLang="ja-JP" sz="3600" dirty="0">
+                <a:solidFill>
+                  <a:schemeClr val="tx1"/>
+                </a:solidFill>
+                <a:latin typeface="ふい字" panose="02000609000000000000" pitchFamily="1" charset="-128"/>
+                <a:ea typeface="ふい字" panose="02000609000000000000" pitchFamily="1" charset="-128"/>
+              </a:rPr>
+              <a:t>3</a:t>
+            </a:r>
+            <a:r>
+              <a:rPr kumimoji="1" lang="ja-JP" altLang="en-US" sz="3600" dirty="0">
+                <a:solidFill>
+                  <a:schemeClr val="tx1"/>
+                </a:solidFill>
+                <a:latin typeface="ふい字" panose="02000609000000000000" pitchFamily="1" charset="-128"/>
+                <a:ea typeface="ふい字" panose="02000609000000000000" pitchFamily="1" charset="-128"/>
+              </a:rPr>
+              <a:t>月～</a:t>
+            </a:r>
+            <a:r>
+              <a:rPr kumimoji="1" lang="en-US" altLang="ja-JP" sz="3600" dirty="0">
+                <a:solidFill>
+                  <a:schemeClr val="tx1"/>
+                </a:solidFill>
+                <a:latin typeface="ふい字" panose="02000609000000000000" pitchFamily="1" charset="-128"/>
+                <a:ea typeface="ふい字" panose="02000609000000000000" pitchFamily="1" charset="-128"/>
+              </a:rPr>
+              <a:t>5</a:t>
+            </a:r>
+            <a:r>
+              <a:rPr kumimoji="1" lang="ja-JP" altLang="en-US" sz="3600" dirty="0">
+                <a:solidFill>
+                  <a:schemeClr val="tx1"/>
+                </a:solidFill>
+                <a:latin typeface="ふい字" panose="02000609000000000000" pitchFamily="1" charset="-128"/>
+                <a:ea typeface="ふい字" panose="02000609000000000000" pitchFamily="1" charset="-128"/>
+              </a:rPr>
+              <a:t>月</a:t>
+            </a:r>
+            <a:endParaRPr kumimoji="1" lang="en-US" altLang="ja-JP" sz="3600" dirty="0">
+              <a:solidFill>
+                <a:schemeClr val="tx1"/>
+              </a:solidFill>
+              <a:latin typeface="ふい字" panose="02000609000000000000" pitchFamily="1" charset="-128"/>
+              <a:ea typeface="ふい字" panose="02000609000000000000" pitchFamily="1" charset="-128"/>
+            </a:endParaRPr>
+          </a:p>
+          <a:p>
+            <a:r>
+              <a:rPr kumimoji="1" lang="ja-JP" altLang="en-US" sz="3600" dirty="0">
+                <a:solidFill>
+                  <a:schemeClr val="tx1"/>
+                </a:solidFill>
+                <a:latin typeface="ふい字" panose="02000609000000000000" pitchFamily="1" charset="-128"/>
+                <a:ea typeface="ふい字" panose="02000609000000000000" pitchFamily="1" charset="-128"/>
+              </a:rPr>
+              <a:t>夏：</a:t>
+            </a:r>
+            <a:r>
+              <a:rPr kumimoji="1" lang="en-US" altLang="ja-JP" sz="3600" dirty="0">
+                <a:solidFill>
+                  <a:schemeClr val="tx1"/>
+                </a:solidFill>
+                <a:latin typeface="ふい字" panose="02000609000000000000" pitchFamily="1" charset="-128"/>
+                <a:ea typeface="ふい字" panose="02000609000000000000" pitchFamily="1" charset="-128"/>
+              </a:rPr>
+              <a:t>6</a:t>
+            </a:r>
+            <a:r>
+              <a:rPr kumimoji="1" lang="ja-JP" altLang="en-US" sz="3600" dirty="0">
+                <a:solidFill>
+                  <a:schemeClr val="tx1"/>
+                </a:solidFill>
+                <a:latin typeface="ふい字" panose="02000609000000000000" pitchFamily="1" charset="-128"/>
+                <a:ea typeface="ふい字" panose="02000609000000000000" pitchFamily="1" charset="-128"/>
+              </a:rPr>
+              <a:t>月～</a:t>
+            </a:r>
+            <a:r>
+              <a:rPr kumimoji="1" lang="en-US" altLang="ja-JP" sz="3600" dirty="0">
+                <a:solidFill>
+                  <a:schemeClr val="tx1"/>
+                </a:solidFill>
+                <a:latin typeface="ふい字" panose="02000609000000000000" pitchFamily="1" charset="-128"/>
+                <a:ea typeface="ふい字" panose="02000609000000000000" pitchFamily="1" charset="-128"/>
+              </a:rPr>
+              <a:t>8</a:t>
+            </a:r>
+            <a:r>
+              <a:rPr kumimoji="1" lang="ja-JP" altLang="en-US" sz="3600" dirty="0">
+                <a:solidFill>
+                  <a:schemeClr val="tx1"/>
+                </a:solidFill>
+                <a:latin typeface="ふい字" panose="02000609000000000000" pitchFamily="1" charset="-128"/>
+                <a:ea typeface="ふい字" panose="02000609000000000000" pitchFamily="1" charset="-128"/>
+              </a:rPr>
+              <a:t>月</a:t>
+            </a:r>
+            <a:endParaRPr kumimoji="1" lang="en-US" altLang="ja-JP" sz="3600" dirty="0">
+              <a:solidFill>
+                <a:schemeClr val="tx1"/>
+              </a:solidFill>
+              <a:latin typeface="ふい字" panose="02000609000000000000" pitchFamily="1" charset="-128"/>
+              <a:ea typeface="ふい字" panose="02000609000000000000" pitchFamily="1" charset="-128"/>
+            </a:endParaRPr>
+          </a:p>
+          <a:p>
+            <a:r>
+              <a:rPr kumimoji="1" lang="ja-JP" altLang="en-US" sz="3600" dirty="0">
+                <a:solidFill>
+                  <a:schemeClr val="tx1"/>
+                </a:solidFill>
+                <a:latin typeface="ふい字" panose="02000609000000000000" pitchFamily="1" charset="-128"/>
+                <a:ea typeface="ふい字" panose="02000609000000000000" pitchFamily="1" charset="-128"/>
+              </a:rPr>
+              <a:t>秋：</a:t>
+            </a:r>
+            <a:r>
+              <a:rPr kumimoji="1" lang="en-US" altLang="ja-JP" sz="3600" dirty="0">
+                <a:solidFill>
+                  <a:schemeClr val="tx1"/>
+                </a:solidFill>
+                <a:latin typeface="ふい字" panose="02000609000000000000" pitchFamily="1" charset="-128"/>
+                <a:ea typeface="ふい字" panose="02000609000000000000" pitchFamily="1" charset="-128"/>
+              </a:rPr>
+              <a:t>9</a:t>
+            </a:r>
+            <a:r>
+              <a:rPr kumimoji="1" lang="ja-JP" altLang="en-US" sz="3600" dirty="0">
+                <a:solidFill>
+                  <a:schemeClr val="tx1"/>
+                </a:solidFill>
+                <a:latin typeface="ふい字" panose="02000609000000000000" pitchFamily="1" charset="-128"/>
+                <a:ea typeface="ふい字" panose="02000609000000000000" pitchFamily="1" charset="-128"/>
+              </a:rPr>
+              <a:t>月～</a:t>
+            </a:r>
+            <a:r>
+              <a:rPr kumimoji="1" lang="en-US" altLang="ja-JP" sz="3600" dirty="0">
+                <a:solidFill>
+                  <a:schemeClr val="tx1"/>
+                </a:solidFill>
+                <a:latin typeface="ふい字" panose="02000609000000000000" pitchFamily="1" charset="-128"/>
+                <a:ea typeface="ふい字" panose="02000609000000000000" pitchFamily="1" charset="-128"/>
+              </a:rPr>
+              <a:t>11</a:t>
+            </a:r>
+            <a:r>
+              <a:rPr kumimoji="1" lang="ja-JP" altLang="en-US" sz="3600" dirty="0">
+                <a:solidFill>
+                  <a:schemeClr val="tx1"/>
+                </a:solidFill>
+                <a:latin typeface="ふい字" panose="02000609000000000000" pitchFamily="1" charset="-128"/>
+                <a:ea typeface="ふい字" panose="02000609000000000000" pitchFamily="1" charset="-128"/>
+              </a:rPr>
+              <a:t>月</a:t>
+            </a:r>
+            <a:endParaRPr kumimoji="1" lang="en-US" altLang="ja-JP" sz="3600" dirty="0">
+              <a:solidFill>
+                <a:schemeClr val="tx1"/>
+              </a:solidFill>
+              <a:latin typeface="ふい字" panose="02000609000000000000" pitchFamily="1" charset="-128"/>
+              <a:ea typeface="ふい字" panose="02000609000000000000" pitchFamily="1" charset="-128"/>
+            </a:endParaRPr>
+          </a:p>
+          <a:p>
+            <a:r>
+              <a:rPr kumimoji="1" lang="ja-JP" altLang="en-US" sz="3600" dirty="0">
+                <a:solidFill>
+                  <a:schemeClr val="tx1"/>
+                </a:solidFill>
+                <a:latin typeface="ふい字" panose="02000609000000000000" pitchFamily="1" charset="-128"/>
+                <a:ea typeface="ふい字" panose="02000609000000000000" pitchFamily="1" charset="-128"/>
+              </a:rPr>
+              <a:t>冬：</a:t>
+            </a:r>
+            <a:r>
+              <a:rPr kumimoji="1" lang="en-US" altLang="ja-JP" sz="3600" dirty="0">
+                <a:solidFill>
+                  <a:schemeClr val="tx1"/>
+                </a:solidFill>
+                <a:latin typeface="ふい字" panose="02000609000000000000" pitchFamily="1" charset="-128"/>
+                <a:ea typeface="ふい字" panose="02000609000000000000" pitchFamily="1" charset="-128"/>
+              </a:rPr>
+              <a:t>12</a:t>
+            </a:r>
+            <a:r>
+              <a:rPr kumimoji="1" lang="ja-JP" altLang="en-US" sz="3600" dirty="0">
+                <a:solidFill>
+                  <a:schemeClr val="tx1"/>
+                </a:solidFill>
+                <a:latin typeface="ふい字" panose="02000609000000000000" pitchFamily="1" charset="-128"/>
+                <a:ea typeface="ふい字" panose="02000609000000000000" pitchFamily="1" charset="-128"/>
+              </a:rPr>
+              <a:t>月～</a:t>
+            </a:r>
+            <a:r>
+              <a:rPr kumimoji="1" lang="en-US" altLang="ja-JP" sz="3600" dirty="0">
+                <a:solidFill>
+                  <a:schemeClr val="tx1"/>
+                </a:solidFill>
+                <a:latin typeface="ふい字" panose="02000609000000000000" pitchFamily="1" charset="-128"/>
+                <a:ea typeface="ふい字" panose="02000609000000000000" pitchFamily="1" charset="-128"/>
+              </a:rPr>
+              <a:t>2</a:t>
+            </a:r>
+            <a:r>
+              <a:rPr kumimoji="1" lang="ja-JP" altLang="en-US" sz="3600" dirty="0">
+                <a:solidFill>
+                  <a:schemeClr val="tx1"/>
+                </a:solidFill>
+                <a:latin typeface="ふい字" panose="02000609000000000000" pitchFamily="1" charset="-128"/>
+                <a:ea typeface="ふい字" panose="02000609000000000000" pitchFamily="1" charset="-128"/>
+              </a:rPr>
+              <a:t>月</a:t>
+            </a:r>
+            <a:endParaRPr kumimoji="1" lang="en-US" altLang="ja-JP" sz="3600" dirty="0">
+              <a:solidFill>
+                <a:schemeClr val="tx1"/>
+              </a:solidFill>
+              <a:latin typeface="ふい字" panose="02000609000000000000" pitchFamily="1" charset="-128"/>
+              <a:ea typeface="ふい字" panose="02000609000000000000" pitchFamily="1" charset="-128"/>
+            </a:endParaRPr>
+          </a:p>
+          <a:p>
+            <a:r>
+              <a:rPr kumimoji="1" lang="ja-JP" altLang="en-US" sz="3600" dirty="0">
+                <a:solidFill>
+                  <a:schemeClr val="tx1"/>
+                </a:solidFill>
+                <a:latin typeface="ふい字" panose="02000609000000000000" pitchFamily="1" charset="-128"/>
+                <a:ea typeface="ふい字" panose="02000609000000000000" pitchFamily="1" charset="-128"/>
+              </a:rPr>
+              <a:t>天気図の</a:t>
+            </a:r>
+            <a:r>
+              <a:rPr kumimoji="1" lang="en-US" altLang="ja-JP" sz="3600" dirty="0">
+                <a:solidFill>
+                  <a:schemeClr val="tx1"/>
+                </a:solidFill>
+                <a:latin typeface="ふい字" panose="02000609000000000000" pitchFamily="1" charset="-128"/>
+                <a:ea typeface="ふい字" panose="02000609000000000000" pitchFamily="1" charset="-128"/>
+              </a:rPr>
+              <a:t>L</a:t>
+            </a:r>
+            <a:r>
+              <a:rPr kumimoji="1" lang="ja-JP" altLang="en-US" sz="3600" dirty="0">
+                <a:solidFill>
+                  <a:schemeClr val="tx1"/>
+                </a:solidFill>
+                <a:latin typeface="ふい字" panose="02000609000000000000" pitchFamily="1" charset="-128"/>
+                <a:ea typeface="ふい字" panose="02000609000000000000" pitchFamily="1" charset="-128"/>
+              </a:rPr>
+              <a:t>、</a:t>
+            </a:r>
+            <a:r>
+              <a:rPr kumimoji="1" lang="en-US" altLang="ja-JP" sz="3600" dirty="0">
+                <a:solidFill>
+                  <a:schemeClr val="tx1"/>
+                </a:solidFill>
+                <a:latin typeface="ふい字" panose="02000609000000000000" pitchFamily="1" charset="-128"/>
+                <a:ea typeface="ふい字" panose="02000609000000000000" pitchFamily="1" charset="-128"/>
+              </a:rPr>
+              <a:t>H</a:t>
+            </a:r>
+            <a:r>
+              <a:rPr kumimoji="1" lang="ja-JP" altLang="en-US" sz="3600" dirty="0">
+                <a:solidFill>
+                  <a:schemeClr val="tx1"/>
+                </a:solidFill>
+                <a:latin typeface="ふい字" panose="02000609000000000000" pitchFamily="1" charset="-128"/>
+                <a:ea typeface="ふい字" panose="02000609000000000000" pitchFamily="1" charset="-128"/>
+              </a:rPr>
+              <a:t>はそれぞれ低気圧、高気圧を表す</a:t>
+            </a:r>
+            <a:endParaRPr kumimoji="1" lang="en-US" altLang="ja-JP" sz="3600" dirty="0">
+              <a:solidFill>
+                <a:schemeClr val="tx1"/>
+              </a:solidFill>
+              <a:latin typeface="ふい字" panose="02000609000000000000" pitchFamily="1" charset="-128"/>
+              <a:ea typeface="ふい字" panose="02000609000000000000" pitchFamily="1" charset="-128"/>
+            </a:endParaRPr>
+          </a:p>
+        </p:txBody>
+      </p:sp>
+    </p:spTree>
+    <p:extLst>
+      <p:ext uri="{BB962C8B-B14F-4D97-AF65-F5344CB8AC3E}">
+        <p14:creationId xmlns:p14="http://schemas.microsoft.com/office/powerpoint/2010/main" val="1360803097"/>
+      </p:ext>
+    </p:extLst>
+  </p:cSld>
+  <p:clrMapOvr>
+    <a:masterClrMapping/>
+  </p:clrMapOvr>
+</p:sld>
+</file>
+
+<file path=ppt/slides/slide11.xml><?xml version="1.0" encoding="utf-8"?>
+<p:sld xmlns:a="http://schemas.openxmlformats.org/drawingml/2006/main" xmlns:r="http://schemas.openxmlformats.org/officeDocument/2006/relationships" xmlns:p="http://schemas.openxmlformats.org/presentationml/2006/main">
+  <p:cSld>
+    <p:spTree>
+      <p:nvGrpSpPr>
+        <p:cNvPr id="1" name="">
+          <a:extLst>
+            <a:ext uri="{FF2B5EF4-FFF2-40B4-BE49-F238E27FC236}">
+              <a16:creationId xmlns:a16="http://schemas.microsoft.com/office/drawing/2014/main" id="{F7B1BE71-0981-397B-4AD6-5A16319F907C}"/>
+            </a:ext>
+          </a:extLst>
+        </p:cNvPr>
+        <p:cNvGrpSpPr/>
+        <p:nvPr/>
+      </p:nvGrpSpPr>
+      <p:grpSpPr>
+        <a:xfrm>
+          <a:off x="0" y="0"/>
+          <a:ext cx="0" cy="0"/>
+          <a:chOff x="0" y="0"/>
+          <a:chExt cx="0" cy="0"/>
+        </a:xfrm>
+      </p:grpSpPr>
+      <p:sp>
+        <p:nvSpPr>
+          <p:cNvPr id="2" name="タイトル 1">
+            <a:extLst>
+              <a:ext uri="{FF2B5EF4-FFF2-40B4-BE49-F238E27FC236}">
+                <a16:creationId xmlns:a16="http://schemas.microsoft.com/office/drawing/2014/main" id="{BA1D0162-F34C-5B4B-17BE-AAE46FA8CF3D}"/>
+              </a:ext>
+            </a:extLst>
+          </p:cNvPr>
+          <p:cNvSpPr>
+            <a:spLocks noGrp="1"/>
+          </p:cNvSpPr>
+          <p:nvPr>
+            <p:ph type="title"/>
+          </p:nvPr>
+        </p:nvSpPr>
+        <p:spPr/>
+        <p:txBody>
+          <a:bodyPr/>
+          <a:lstStyle/>
+          <a:p>
+            <a:r>
+              <a:rPr kumimoji="1" lang="ja-JP" altLang="en-US" dirty="0">
+                <a:latin typeface="ふい字" panose="02000609000000000000" pitchFamily="1" charset="-128"/>
+                <a:ea typeface="ふい字" panose="02000609000000000000" pitchFamily="1" charset="-128"/>
+              </a:rPr>
+              <a:t>課題（</a:t>
+            </a:r>
+            <a:r>
+              <a:rPr kumimoji="1" lang="en-US" altLang="ja-JP" dirty="0">
+                <a:latin typeface="ふい字" panose="02000609000000000000" pitchFamily="1" charset="-128"/>
+                <a:ea typeface="ふい字" panose="02000609000000000000" pitchFamily="1" charset="-128"/>
+              </a:rPr>
+              <a:t>Google</a:t>
+            </a:r>
+            <a:r>
+              <a:rPr kumimoji="1" lang="ja-JP" altLang="en-US" dirty="0">
+                <a:latin typeface="ふい字" panose="02000609000000000000" pitchFamily="1" charset="-128"/>
+                <a:ea typeface="ふい字" panose="02000609000000000000" pitchFamily="1" charset="-128"/>
+              </a:rPr>
+              <a:t>フォーム）</a:t>
+            </a:r>
+          </a:p>
+        </p:txBody>
+      </p:sp>
+      <p:sp>
+        <p:nvSpPr>
+          <p:cNvPr id="3" name="コンテンツ プレースホルダー 2">
+            <a:extLst>
+              <a:ext uri="{FF2B5EF4-FFF2-40B4-BE49-F238E27FC236}">
+                <a16:creationId xmlns:a16="http://schemas.microsoft.com/office/drawing/2014/main" id="{03CDCCF1-3616-04D6-386C-AB306FCC047F}"/>
+              </a:ext>
+            </a:extLst>
+          </p:cNvPr>
+          <p:cNvSpPr>
+            <a:spLocks noGrp="1"/>
+          </p:cNvSpPr>
+          <p:nvPr>
+            <p:ph idx="1"/>
+          </p:nvPr>
+        </p:nvSpPr>
+        <p:spPr/>
+        <p:txBody>
+          <a:bodyPr>
+            <a:noAutofit/>
+          </a:bodyPr>
+          <a:lstStyle/>
+          <a:p>
+            <a:r>
+              <a:rPr kumimoji="1" lang="ja-JP" altLang="en-US" sz="2800" dirty="0">
+                <a:solidFill>
+                  <a:schemeClr val="tx1"/>
+                </a:solidFill>
+                <a:latin typeface="ふい字" panose="02000609000000000000" pitchFamily="1" charset="-128"/>
+                <a:ea typeface="ふい字" panose="02000609000000000000" pitchFamily="1" charset="-128"/>
+              </a:rPr>
+              <a:t>実習をおこない、わかったこと・考えたことをまとめなさい</a:t>
+            </a:r>
+            <a:endParaRPr kumimoji="1" lang="en-US" altLang="ja-JP" sz="2800" dirty="0">
+              <a:solidFill>
+                <a:schemeClr val="tx1"/>
+              </a:solidFill>
+              <a:latin typeface="ふい字" panose="02000609000000000000" pitchFamily="1" charset="-128"/>
+              <a:ea typeface="ふい字" panose="02000609000000000000" pitchFamily="1" charset="-128"/>
+            </a:endParaRPr>
+          </a:p>
+          <a:p>
+            <a:r>
+              <a:rPr kumimoji="1" lang="en-US" altLang="ja-JP" sz="2800" dirty="0">
+                <a:solidFill>
+                  <a:schemeClr val="tx1"/>
+                </a:solidFill>
+                <a:latin typeface="ふい字" panose="02000609000000000000" pitchFamily="1" charset="-128"/>
+                <a:ea typeface="ふい字" panose="02000609000000000000" pitchFamily="1" charset="-128"/>
+              </a:rPr>
+              <a:t>Google</a:t>
+            </a:r>
+            <a:r>
+              <a:rPr kumimoji="1" lang="ja-JP" altLang="en-US" sz="2800" dirty="0">
+                <a:solidFill>
+                  <a:schemeClr val="tx1"/>
+                </a:solidFill>
+                <a:latin typeface="ふい字" panose="02000609000000000000" pitchFamily="1" charset="-128"/>
+                <a:ea typeface="ふい字" panose="02000609000000000000" pitchFamily="1" charset="-128"/>
+              </a:rPr>
+              <a:t>フォームは以下リンクか</a:t>
+            </a:r>
+            <a:r>
+              <a:rPr kumimoji="1" lang="en-US" altLang="ja-JP" sz="2800" dirty="0">
+                <a:solidFill>
+                  <a:schemeClr val="tx1"/>
+                </a:solidFill>
+                <a:latin typeface="ふい字" panose="02000609000000000000" pitchFamily="1" charset="-128"/>
+                <a:ea typeface="ふい字" panose="02000609000000000000" pitchFamily="1" charset="-128"/>
+              </a:rPr>
+              <a:t>GitHub</a:t>
+            </a:r>
+            <a:r>
+              <a:rPr kumimoji="1" lang="ja-JP" altLang="en-US" sz="2800" dirty="0">
+                <a:solidFill>
+                  <a:schemeClr val="tx1"/>
+                </a:solidFill>
+                <a:latin typeface="ふい字" panose="02000609000000000000" pitchFamily="1" charset="-128"/>
+                <a:ea typeface="ふい字" panose="02000609000000000000" pitchFamily="1" charset="-128"/>
+              </a:rPr>
+              <a:t>に載せてあるものを読み込むと開くことができる</a:t>
+            </a:r>
+            <a:endParaRPr kumimoji="1" lang="en-US" altLang="ja-JP" sz="2800" dirty="0">
+              <a:solidFill>
+                <a:schemeClr val="tx1"/>
+              </a:solidFill>
+              <a:latin typeface="ふい字" panose="02000609000000000000" pitchFamily="1" charset="-128"/>
+              <a:ea typeface="ふい字" panose="02000609000000000000" pitchFamily="1" charset="-128"/>
+            </a:endParaRPr>
+          </a:p>
+          <a:p>
+            <a:pPr marL="0" indent="0">
+              <a:buNone/>
+            </a:pPr>
+            <a:r>
+              <a:rPr kumimoji="1" lang="ja-JP" altLang="en-US" sz="2800" dirty="0">
+                <a:solidFill>
+                  <a:schemeClr val="tx1"/>
+                </a:solidFill>
+                <a:latin typeface="ふい字" panose="02000609000000000000" pitchFamily="1" charset="-128"/>
+                <a:ea typeface="ふい字" panose="02000609000000000000" pitchFamily="1" charset="-128"/>
+              </a:rPr>
+              <a:t>　</a:t>
+            </a:r>
+            <a:r>
+              <a:rPr kumimoji="1" lang="en-US" altLang="ja-JP" sz="2800" dirty="0">
+                <a:solidFill>
+                  <a:schemeClr val="tx1"/>
+                </a:solidFill>
+                <a:latin typeface="ふい字" panose="02000609000000000000" pitchFamily="1" charset="-128"/>
+                <a:ea typeface="ふい字" panose="02000609000000000000" pitchFamily="1" charset="-128"/>
+              </a:rPr>
+              <a:t>https://forms.gle/zgzyQonHzNEXUm6VA</a:t>
+            </a:r>
+          </a:p>
+          <a:p>
+            <a:r>
+              <a:rPr kumimoji="1" lang="ja-JP" altLang="en-US" sz="2800" dirty="0">
+                <a:solidFill>
+                  <a:schemeClr val="tx1"/>
+                </a:solidFill>
+                <a:latin typeface="ふい字" panose="02000609000000000000" pitchFamily="1" charset="-128"/>
+                <a:ea typeface="ふい字" panose="02000609000000000000" pitchFamily="1" charset="-128"/>
+              </a:rPr>
+              <a:t>期限は原則授業時間内とするが、本日</a:t>
+            </a:r>
+            <a:r>
+              <a:rPr kumimoji="1" lang="en-US" altLang="ja-JP" sz="2800" dirty="0">
+                <a:solidFill>
+                  <a:schemeClr val="tx1"/>
+                </a:solidFill>
+                <a:latin typeface="ふい字" panose="02000609000000000000" pitchFamily="1" charset="-128"/>
+                <a:ea typeface="ふい字" panose="02000609000000000000" pitchFamily="1" charset="-128"/>
+              </a:rPr>
+              <a:t>23:59</a:t>
+            </a:r>
+            <a:r>
+              <a:rPr kumimoji="1" lang="ja-JP" altLang="en-US" sz="2800" dirty="0">
+                <a:solidFill>
+                  <a:schemeClr val="tx1"/>
+                </a:solidFill>
+                <a:latin typeface="ふい字" panose="02000609000000000000" pitchFamily="1" charset="-128"/>
+                <a:ea typeface="ふい字" panose="02000609000000000000" pitchFamily="1" charset="-128"/>
+              </a:rPr>
+              <a:t>まで受け付ける</a:t>
+            </a:r>
+            <a:endParaRPr kumimoji="1" lang="en-US" altLang="ja-JP" sz="2800" dirty="0">
+              <a:solidFill>
+                <a:schemeClr val="tx1"/>
+              </a:solidFill>
+              <a:latin typeface="ふい字" panose="02000609000000000000" pitchFamily="1" charset="-128"/>
+              <a:ea typeface="ふい字" panose="02000609000000000000" pitchFamily="1" charset="-128"/>
+            </a:endParaRPr>
+          </a:p>
+          <a:p>
+            <a:r>
+              <a:rPr kumimoji="1" lang="ja-JP" altLang="en-US" sz="2800" dirty="0">
+                <a:solidFill>
+                  <a:schemeClr val="tx1"/>
+                </a:solidFill>
+                <a:latin typeface="ふい字" panose="02000609000000000000" pitchFamily="1" charset="-128"/>
+                <a:ea typeface="ふい字" panose="02000609000000000000" pitchFamily="1" charset="-128"/>
+              </a:rPr>
+              <a:t>フィードバックは次回の授業でおこなう</a:t>
+            </a:r>
+          </a:p>
+        </p:txBody>
+      </p:sp>
+    </p:spTree>
+    <p:extLst>
+      <p:ext uri="{BB962C8B-B14F-4D97-AF65-F5344CB8AC3E}">
+        <p14:creationId xmlns:p14="http://schemas.microsoft.com/office/powerpoint/2010/main" val="4145870842"/>
+      </p:ext>
+    </p:extLst>
+  </p:cSld>
+  <p:clrMapOvr>
+    <a:masterClrMapping/>
+  </p:clrMapOvr>
+</p:sld>
+</file>
+
+<file path=ppt/slides/slide2.xml><?xml version="1.0" encoding="utf-8"?>
+<p:sld xmlns:a="http://schemas.openxmlformats.org/drawingml/2006/main" xmlns:r="http://schemas.openxmlformats.org/officeDocument/2006/relationships" xmlns:p="http://schemas.openxmlformats.org/presentationml/2006/main">
+  <p:cSld>
     <p:bg>
       <p:bgPr>
         <a:solidFill>
@@ -4264,256 +5265,7 @@
 </p:sld>
 </file>
 
-<file path=ppt/slides/slide10.xml><?xml version="1.0" encoding="utf-8"?>
-<p:sld xmlns:a="http://schemas.openxmlformats.org/drawingml/2006/main" xmlns:r="http://schemas.openxmlformats.org/officeDocument/2006/relationships" xmlns:p="http://schemas.openxmlformats.org/presentationml/2006/main">
-  <p:cSld>
-    <p:spTree>
-      <p:nvGrpSpPr>
-        <p:cNvPr id="1" name="">
-          <a:extLst>
-            <a:ext uri="{FF2B5EF4-FFF2-40B4-BE49-F238E27FC236}">
-              <a16:creationId xmlns:a16="http://schemas.microsoft.com/office/drawing/2014/main" id="{F7B1BE71-0981-397B-4AD6-5A16319F907C}"/>
-            </a:ext>
-          </a:extLst>
-        </p:cNvPr>
-        <p:cNvGrpSpPr/>
-        <p:nvPr/>
-      </p:nvGrpSpPr>
-      <p:grpSpPr>
-        <a:xfrm>
-          <a:off x="0" y="0"/>
-          <a:ext cx="0" cy="0"/>
-          <a:chOff x="0" y="0"/>
-          <a:chExt cx="0" cy="0"/>
-        </a:xfrm>
-      </p:grpSpPr>
-      <p:sp>
-        <p:nvSpPr>
-          <p:cNvPr id="2" name="タイトル 1">
-            <a:extLst>
-              <a:ext uri="{FF2B5EF4-FFF2-40B4-BE49-F238E27FC236}">
-                <a16:creationId xmlns:a16="http://schemas.microsoft.com/office/drawing/2014/main" id="{BA1D0162-F34C-5B4B-17BE-AAE46FA8CF3D}"/>
-              </a:ext>
-            </a:extLst>
-          </p:cNvPr>
-          <p:cNvSpPr>
-            <a:spLocks noGrp="1"/>
-          </p:cNvSpPr>
-          <p:nvPr>
-            <p:ph type="title"/>
-          </p:nvPr>
-        </p:nvSpPr>
-        <p:spPr/>
-        <p:txBody>
-          <a:bodyPr/>
-          <a:lstStyle/>
-          <a:p>
-            <a:r>
-              <a:rPr kumimoji="1" lang="ja-JP" altLang="en-US" dirty="0">
-                <a:latin typeface="ふい字" panose="02000609000000000000" pitchFamily="1" charset="-128"/>
-                <a:ea typeface="ふい字" panose="02000609000000000000" pitchFamily="1" charset="-128"/>
-              </a:rPr>
-              <a:t>課題（</a:t>
-            </a:r>
-            <a:r>
-              <a:rPr kumimoji="1" lang="en-US" altLang="ja-JP" dirty="0">
-                <a:latin typeface="ふい字" panose="02000609000000000000" pitchFamily="1" charset="-128"/>
-                <a:ea typeface="ふい字" panose="02000609000000000000" pitchFamily="1" charset="-128"/>
-              </a:rPr>
-              <a:t>Google</a:t>
-            </a:r>
-            <a:r>
-              <a:rPr kumimoji="1" lang="ja-JP" altLang="en-US" dirty="0">
-                <a:latin typeface="ふい字" panose="02000609000000000000" pitchFamily="1" charset="-128"/>
-                <a:ea typeface="ふい字" panose="02000609000000000000" pitchFamily="1" charset="-128"/>
-              </a:rPr>
-              <a:t>フォーム）</a:t>
-            </a:r>
-          </a:p>
-        </p:txBody>
-      </p:sp>
-      <p:sp>
-        <p:nvSpPr>
-          <p:cNvPr id="3" name="コンテンツ プレースホルダー 2">
-            <a:extLst>
-              <a:ext uri="{FF2B5EF4-FFF2-40B4-BE49-F238E27FC236}">
-                <a16:creationId xmlns:a16="http://schemas.microsoft.com/office/drawing/2014/main" id="{03CDCCF1-3616-04D6-386C-AB306FCC047F}"/>
-              </a:ext>
-            </a:extLst>
-          </p:cNvPr>
-          <p:cNvSpPr>
-            <a:spLocks noGrp="1"/>
-          </p:cNvSpPr>
-          <p:nvPr>
-            <p:ph idx="1"/>
-          </p:nvPr>
-        </p:nvSpPr>
-        <p:spPr/>
-        <p:txBody>
-          <a:bodyPr>
-            <a:noAutofit/>
-          </a:bodyPr>
-          <a:lstStyle/>
-          <a:p>
-            <a:r>
-              <a:rPr kumimoji="1" lang="ja-JP" altLang="en-US" sz="2800" dirty="0">
-                <a:solidFill>
-                  <a:schemeClr val="tx1"/>
-                </a:solidFill>
-                <a:latin typeface="ふい字" panose="02000609000000000000" pitchFamily="1" charset="-128"/>
-                <a:ea typeface="ふい字" panose="02000609000000000000" pitchFamily="1" charset="-128"/>
-              </a:rPr>
-              <a:t>実習をおこない、わかったこと・考えたことをまとめなさい</a:t>
-            </a:r>
-            <a:endParaRPr kumimoji="1" lang="en-US" altLang="ja-JP" sz="2800" dirty="0">
-              <a:solidFill>
-                <a:schemeClr val="tx1"/>
-              </a:solidFill>
-              <a:latin typeface="ふい字" panose="02000609000000000000" pitchFamily="1" charset="-128"/>
-              <a:ea typeface="ふい字" panose="02000609000000000000" pitchFamily="1" charset="-128"/>
-            </a:endParaRPr>
-          </a:p>
-          <a:p>
-            <a:r>
-              <a:rPr kumimoji="1" lang="en-US" altLang="ja-JP" sz="2800" dirty="0">
-                <a:solidFill>
-                  <a:schemeClr val="tx1"/>
-                </a:solidFill>
-                <a:latin typeface="ふい字" panose="02000609000000000000" pitchFamily="1" charset="-128"/>
-                <a:ea typeface="ふい字" panose="02000609000000000000" pitchFamily="1" charset="-128"/>
-              </a:rPr>
-              <a:t>Google</a:t>
-            </a:r>
-            <a:r>
-              <a:rPr kumimoji="1" lang="ja-JP" altLang="en-US" sz="2800" dirty="0">
-                <a:solidFill>
-                  <a:schemeClr val="tx1"/>
-                </a:solidFill>
-                <a:latin typeface="ふい字" panose="02000609000000000000" pitchFamily="1" charset="-128"/>
-                <a:ea typeface="ふい字" panose="02000609000000000000" pitchFamily="1" charset="-128"/>
-              </a:rPr>
-              <a:t>フォームは以下リンクか</a:t>
-            </a:r>
-            <a:r>
-              <a:rPr kumimoji="1" lang="en-US" altLang="ja-JP" sz="2800" dirty="0">
-                <a:solidFill>
-                  <a:schemeClr val="tx1"/>
-                </a:solidFill>
-                <a:latin typeface="ふい字" panose="02000609000000000000" pitchFamily="1" charset="-128"/>
-                <a:ea typeface="ふい字" panose="02000609000000000000" pitchFamily="1" charset="-128"/>
-              </a:rPr>
-              <a:t>GitHub</a:t>
-            </a:r>
-            <a:r>
-              <a:rPr kumimoji="1" lang="ja-JP" altLang="en-US" sz="2800" dirty="0">
-                <a:solidFill>
-                  <a:schemeClr val="tx1"/>
-                </a:solidFill>
-                <a:latin typeface="ふい字" panose="02000609000000000000" pitchFamily="1" charset="-128"/>
-                <a:ea typeface="ふい字" panose="02000609000000000000" pitchFamily="1" charset="-128"/>
-              </a:rPr>
-              <a:t>に載せてあるものを読み込むと開くことができる</a:t>
-            </a:r>
-            <a:endParaRPr kumimoji="1" lang="en-US" altLang="ja-JP" sz="2800" dirty="0">
-              <a:solidFill>
-                <a:schemeClr val="tx1"/>
-              </a:solidFill>
-              <a:latin typeface="ふい字" panose="02000609000000000000" pitchFamily="1" charset="-128"/>
-              <a:ea typeface="ふい字" panose="02000609000000000000" pitchFamily="1" charset="-128"/>
-            </a:endParaRPr>
-          </a:p>
-          <a:p>
-            <a:pPr marL="0" indent="0">
-              <a:buNone/>
-            </a:pPr>
-            <a:r>
-              <a:rPr kumimoji="1" lang="ja-JP" altLang="en-US" sz="2800" dirty="0">
-                <a:solidFill>
-                  <a:schemeClr val="tx1"/>
-                </a:solidFill>
-                <a:latin typeface="ふい字" panose="02000609000000000000" pitchFamily="1" charset="-128"/>
-                <a:ea typeface="ふい字" panose="02000609000000000000" pitchFamily="1" charset="-128"/>
-              </a:rPr>
-              <a:t>　</a:t>
-            </a:r>
-            <a:r>
-              <a:rPr kumimoji="1" lang="en-US" altLang="ja-JP" sz="2800" dirty="0">
-                <a:solidFill>
-                  <a:schemeClr val="tx1"/>
-                </a:solidFill>
-                <a:latin typeface="ふい字" panose="02000609000000000000" pitchFamily="1" charset="-128"/>
-                <a:ea typeface="ふい字" panose="02000609000000000000" pitchFamily="1" charset="-128"/>
-              </a:rPr>
-              <a:t>https://forms.gle/zgzyQonHzNEXUm6VA</a:t>
-            </a:r>
-          </a:p>
-          <a:p>
-            <a:r>
-              <a:rPr kumimoji="1" lang="ja-JP" altLang="en-US" sz="2800" dirty="0">
-                <a:solidFill>
-                  <a:schemeClr val="tx1"/>
-                </a:solidFill>
-                <a:latin typeface="ふい字" panose="02000609000000000000" pitchFamily="1" charset="-128"/>
-                <a:ea typeface="ふい字" panose="02000609000000000000" pitchFamily="1" charset="-128"/>
-              </a:rPr>
-              <a:t>期限は原則授業時間内とするが、本日</a:t>
-            </a:r>
-            <a:r>
-              <a:rPr kumimoji="1" lang="en-US" altLang="ja-JP" sz="2800" dirty="0">
-                <a:solidFill>
-                  <a:schemeClr val="tx1"/>
-                </a:solidFill>
-                <a:latin typeface="ふい字" panose="02000609000000000000" pitchFamily="1" charset="-128"/>
-                <a:ea typeface="ふい字" panose="02000609000000000000" pitchFamily="1" charset="-128"/>
-              </a:rPr>
-              <a:t>23:59</a:t>
-            </a:r>
-            <a:r>
-              <a:rPr kumimoji="1" lang="ja-JP" altLang="en-US" sz="2800" dirty="0">
-                <a:solidFill>
-                  <a:schemeClr val="tx1"/>
-                </a:solidFill>
-                <a:latin typeface="ふい字" panose="02000609000000000000" pitchFamily="1" charset="-128"/>
-                <a:ea typeface="ふい字" panose="02000609000000000000" pitchFamily="1" charset="-128"/>
-              </a:rPr>
-              <a:t>まで受け付ける</a:t>
-            </a:r>
-            <a:endParaRPr kumimoji="1" lang="en-US" altLang="ja-JP" sz="2800" dirty="0">
-              <a:solidFill>
-                <a:schemeClr val="tx1"/>
-              </a:solidFill>
-              <a:latin typeface="ふい字" panose="02000609000000000000" pitchFamily="1" charset="-128"/>
-              <a:ea typeface="ふい字" panose="02000609000000000000" pitchFamily="1" charset="-128"/>
-            </a:endParaRPr>
-          </a:p>
-          <a:p>
-            <a:r>
-              <a:rPr kumimoji="1" lang="ja-JP" altLang="en-US" sz="2800" dirty="0">
-                <a:solidFill>
-                  <a:schemeClr val="tx1"/>
-                </a:solidFill>
-                <a:latin typeface="ふい字" panose="02000609000000000000" pitchFamily="1" charset="-128"/>
-                <a:ea typeface="ふい字" panose="02000609000000000000" pitchFamily="1" charset="-128"/>
-              </a:rPr>
-              <a:t>フィードバックは次回の授業でおこなう</a:t>
-            </a:r>
-          </a:p>
-        </p:txBody>
-      </p:sp>
-    </p:spTree>
-    <p:extLst>
-      <p:ext uri="{BB962C8B-B14F-4D97-AF65-F5344CB8AC3E}">
-        <p14:creationId xmlns:p14="http://schemas.microsoft.com/office/powerpoint/2010/main" val="4145870842"/>
-      </p:ext>
-    </p:extLst>
-  </p:cSld>
-  <p:clrMapOvr>
-    <a:masterClrMapping/>
-  </p:clrMapOvr>
-</p:sld>
-</file>
-
-<file path=ppt/slides/slide2.xml><?xml version="1.0" encoding="utf-8"?>
+<file path=ppt/slides/slide3.xml><?xml version="1.0" encoding="utf-8"?>
 <p:sld xmlns:a="http://schemas.openxmlformats.org/drawingml/2006/main" xmlns:r="http://schemas.openxmlformats.org/officeDocument/2006/relationships" xmlns:p="http://schemas.openxmlformats.org/presentationml/2006/main">
   <p:cSld>
     <p:spTree>
@@ -4686,7 +5438,7 @@
 </p:sld>
 </file>
 
-<file path=ppt/slides/slide3.xml><?xml version="1.0" encoding="utf-8"?>
+<file path=ppt/slides/slide4.xml><?xml version="1.0" encoding="utf-8"?>
 <p:sld xmlns:a="http://schemas.openxmlformats.org/drawingml/2006/main" xmlns:r="http://schemas.openxmlformats.org/officeDocument/2006/relationships" xmlns:p="http://schemas.openxmlformats.org/presentationml/2006/main">
   <p:cSld>
     <p:spTree>
@@ -4748,7 +5500,21 @@
                 <a:latin typeface="ふい字" panose="02000609000000000000" pitchFamily="1" charset="-128"/>
                 <a:ea typeface="ふい字" panose="02000609000000000000" pitchFamily="1" charset="-128"/>
               </a:rPr>
-              <a:t>「四季の天気の特徴を気象データから考察しよう」</a:t>
+              <a:t>「四季の天気の</a:t>
+            </a:r>
+            <a:r>
+              <a:rPr lang="ja-JP" altLang="en-US" sz="4000">
+                <a:latin typeface="ふい字" panose="02000609000000000000" pitchFamily="1" charset="-128"/>
+                <a:ea typeface="ふい字" panose="02000609000000000000" pitchFamily="1" charset="-128"/>
+              </a:rPr>
+              <a:t>特徴を天気図から</a:t>
+            </a:r>
+            <a:r>
+              <a:rPr lang="ja-JP" altLang="en-US" sz="4000" dirty="0">
+                <a:latin typeface="ふい字" panose="02000609000000000000" pitchFamily="1" charset="-128"/>
+                <a:ea typeface="ふい字" panose="02000609000000000000" pitchFamily="1" charset="-128"/>
+              </a:rPr>
+              <a:t>考察しよう」</a:t>
             </a:r>
           </a:p>
         </p:txBody>
@@ -4807,7 +5573,7 @@
 </p:sld>
 </file>
 
-<file path=ppt/slides/slide4.xml><?xml version="1.0" encoding="utf-8"?>
+<file path=ppt/slides/slide5.xml><?xml version="1.0" encoding="utf-8"?>
 <p:sld xmlns:a="http://schemas.openxmlformats.org/drawingml/2006/main" xmlns:r="http://schemas.openxmlformats.org/officeDocument/2006/relationships" xmlns:p="http://schemas.openxmlformats.org/presentationml/2006/main">
   <p:cSld>
     <p:spTree>
@@ -4975,7 +5741,7 @@
 </p:sld>
 </file>
 
-<file path=ppt/slides/slide5.xml><?xml version="1.0" encoding="utf-8"?>
+<file path=ppt/slides/slide6.xml><?xml version="1.0" encoding="utf-8"?>
 <p:sld xmlns:a="http://schemas.openxmlformats.org/drawingml/2006/main" xmlns:r="http://schemas.openxmlformats.org/officeDocument/2006/relationships" xmlns:p="http://schemas.openxmlformats.org/presentationml/2006/main">
   <p:cSld>
     <p:spTree>
@@ -5153,7 +5919,7 @@
 </p:sld>
 </file>
 
-<file path=ppt/slides/slide6.xml><?xml version="1.0" encoding="utf-8"?>
+<file path=ppt/slides/slide7.xml><?xml version="1.0" encoding="utf-8"?>
 <p:sld xmlns:a="http://schemas.openxmlformats.org/drawingml/2006/main" xmlns:r="http://schemas.openxmlformats.org/officeDocument/2006/relationships" xmlns:p="http://schemas.openxmlformats.org/presentationml/2006/main">
   <p:cSld>
     <p:spTree>
@@ -5315,7 +6081,7 @@
 </p:sld>
 </file>
 
-<file path=ppt/slides/slide7.xml><?xml version="1.0" encoding="utf-8"?>
+<file path=ppt/slides/slide8.xml><?xml version="1.0" encoding="utf-8"?>
 <p:sld xmlns:a="http://schemas.openxmlformats.org/drawingml/2006/main" xmlns:r="http://schemas.openxmlformats.org/officeDocument/2006/relationships" xmlns:p="http://schemas.openxmlformats.org/presentationml/2006/main">
   <p:cSld>
     <p:spTree>
@@ -5377,7 +6143,7 @@
                 <a:latin typeface="ふい字" panose="02000609000000000000" pitchFamily="1" charset="-128"/>
                 <a:ea typeface="ふい字" panose="02000609000000000000" pitchFamily="1" charset="-128"/>
               </a:rPr>
-              <a:t>四季の天気の特徴を気象データから考察しよう</a:t>
+              <a:t>四季の天気の特徴を天気図から考察しよう</a:t>
             </a:r>
           </a:p>
         </p:txBody>
@@ -5433,7 +6199,7 @@
 </p:sld>
 </file>
 
-<file path=ppt/slides/slide8.xml><?xml version="1.0" encoding="utf-8"?>
+<file path=ppt/slides/slide9.xml><?xml version="1.0" encoding="utf-8"?>
 <p:sld xmlns:a="http://schemas.openxmlformats.org/drawingml/2006/main" xmlns:r="http://schemas.openxmlformats.org/officeDocument/2006/relationships" xmlns:p="http://schemas.openxmlformats.org/presentationml/2006/main">
   <p:cSld>
     <p:spTree>
@@ -5639,348 +6405,6 @@
     <p:extLst>
       <p:ext uri="{BB962C8B-B14F-4D97-AF65-F5344CB8AC3E}">
         <p14:creationId xmlns:p14="http://schemas.microsoft.com/office/powerpoint/2010/main" val="2557213790"/>
-      </p:ext>
-    </p:extLst>
-  </p:cSld>
-  <p:clrMapOvr>
-    <a:masterClrMapping/>
-  </p:clrMapOvr>
-</p:sld>
-</file>
-
-<file path=ppt/slides/slide9.xml><?xml version="1.0" encoding="utf-8"?>
-<p:sld xmlns:a="http://schemas.openxmlformats.org/drawingml/2006/main" xmlns:r="http://schemas.openxmlformats.org/officeDocument/2006/relationships" xmlns:p="http://schemas.openxmlformats.org/presentationml/2006/main">
-  <p:cSld>
-    <p:spTree>
-      <p:nvGrpSpPr>
-        <p:cNvPr id="1" name="">
-          <a:extLst>
-            <a:ext uri="{FF2B5EF4-FFF2-40B4-BE49-F238E27FC236}">
-              <a16:creationId xmlns:a16="http://schemas.microsoft.com/office/drawing/2014/main" id="{89F21BA8-5216-C0DE-F462-AAF8698F0C31}"/>
-            </a:ext>
-          </a:extLst>
-        </p:cNvPr>
-        <p:cNvGrpSpPr/>
-        <p:nvPr/>
-      </p:nvGrpSpPr>
-      <p:grpSpPr>
-        <a:xfrm>
-          <a:off x="0" y="0"/>
-          <a:ext cx="0" cy="0"/>
-          <a:chOff x="0" y="0"/>
-          <a:chExt cx="0" cy="0"/>
-        </a:xfrm>
-      </p:grpSpPr>
-      <p:sp>
-        <p:nvSpPr>
-          <p:cNvPr id="2" name="タイトル 1">
-            <a:extLst>
-              <a:ext uri="{FF2B5EF4-FFF2-40B4-BE49-F238E27FC236}">
-                <a16:creationId xmlns:a16="http://schemas.microsoft.com/office/drawing/2014/main" id="{B3DC083C-EEDF-2F79-C011-B5E5B11AAAE3}"/>
-              </a:ext>
-            </a:extLst>
-          </p:cNvPr>
-          <p:cNvSpPr>
-            <a:spLocks noGrp="1"/>
-          </p:cNvSpPr>
-          <p:nvPr>
-            <p:ph type="title"/>
-          </p:nvPr>
-        </p:nvSpPr>
-        <p:spPr/>
-        <p:txBody>
-          <a:bodyPr/>
-          <a:lstStyle/>
-          <a:p>
-            <a:r>
-              <a:rPr kumimoji="1" lang="ja-JP" altLang="en-US" dirty="0">
-                <a:latin typeface="ふい字" panose="02000609000000000000" pitchFamily="1" charset="-128"/>
-                <a:ea typeface="ふい字" panose="02000609000000000000" pitchFamily="1" charset="-128"/>
-              </a:rPr>
-              <a:t>（参考）四季の分かれ目（気象庁より）</a:t>
-            </a:r>
-          </a:p>
-        </p:txBody>
-      </p:sp>
-      <p:sp>
-        <p:nvSpPr>
-          <p:cNvPr id="3" name="コンテンツ プレースホルダー 2">
-            <a:extLst>
-              <a:ext uri="{FF2B5EF4-FFF2-40B4-BE49-F238E27FC236}">
-                <a16:creationId xmlns:a16="http://schemas.microsoft.com/office/drawing/2014/main" id="{9D4636F2-D3DA-EAFC-AC86-EE2FA62FF77A}"/>
-              </a:ext>
-            </a:extLst>
-          </p:cNvPr>
-          <p:cNvSpPr>
-            <a:spLocks noGrp="1"/>
-          </p:cNvSpPr>
-          <p:nvPr>
-            <p:ph idx="1"/>
-          </p:nvPr>
-        </p:nvSpPr>
-        <p:spPr/>
-        <p:txBody>
-          <a:bodyPr>
-            <a:normAutofit/>
-          </a:bodyPr>
-          <a:lstStyle/>
-          <a:p>
-            <a:r>
-              <a:rPr kumimoji="1" lang="ja-JP" altLang="en-US" sz="3600" dirty="0">
-                <a:solidFill>
-                  <a:schemeClr val="tx1"/>
-                </a:solidFill>
-                <a:latin typeface="ふい字" panose="02000609000000000000" pitchFamily="1" charset="-128"/>
-                <a:ea typeface="ふい字" panose="02000609000000000000" pitchFamily="1" charset="-128"/>
-              </a:rPr>
-              <a:t>春：</a:t>
-            </a:r>
-            <a:r>
-              <a:rPr kumimoji="1" lang="en-US" altLang="ja-JP" sz="3600" dirty="0">
-                <a:solidFill>
-                  <a:schemeClr val="tx1"/>
-                </a:solidFill>
-                <a:latin typeface="ふい字" panose="02000609000000000000" pitchFamily="1" charset="-128"/>
-                <a:ea typeface="ふい字" panose="02000609000000000000" pitchFamily="1" charset="-128"/>
-              </a:rPr>
-              <a:t>3</a:t>
-            </a:r>
-            <a:r>
-              <a:rPr kumimoji="1" lang="ja-JP" altLang="en-US" sz="3600" dirty="0">
-                <a:solidFill>
-                  <a:schemeClr val="tx1"/>
-                </a:solidFill>
-                <a:latin typeface="ふい字" panose="02000609000000000000" pitchFamily="1" charset="-128"/>
-                <a:ea typeface="ふい字" panose="02000609000000000000" pitchFamily="1" charset="-128"/>
-              </a:rPr>
-              <a:t>月～</a:t>
-            </a:r>
-            <a:r>
-              <a:rPr kumimoji="1" lang="en-US" altLang="ja-JP" sz="3600" dirty="0">
-                <a:solidFill>
-                  <a:schemeClr val="tx1"/>
-                </a:solidFill>
-                <a:latin typeface="ふい字" panose="02000609000000000000" pitchFamily="1" charset="-128"/>
-                <a:ea typeface="ふい字" panose="02000609000000000000" pitchFamily="1" charset="-128"/>
-              </a:rPr>
-              <a:t>5</a:t>
-            </a:r>
-            <a:r>
-              <a:rPr kumimoji="1" lang="ja-JP" altLang="en-US" sz="3600" dirty="0">
-                <a:solidFill>
-                  <a:schemeClr val="tx1"/>
-                </a:solidFill>
-                <a:latin typeface="ふい字" panose="02000609000000000000" pitchFamily="1" charset="-128"/>
-                <a:ea typeface="ふい字" panose="02000609000000000000" pitchFamily="1" charset="-128"/>
-              </a:rPr>
-              <a:t>月</a:t>
-            </a:r>
-            <a:endParaRPr kumimoji="1" lang="en-US" altLang="ja-JP" sz="3600" dirty="0">
-              <a:solidFill>
-                <a:schemeClr val="tx1"/>
-              </a:solidFill>
-              <a:latin typeface="ふい字" panose="02000609000000000000" pitchFamily="1" charset="-128"/>
-              <a:ea typeface="ふい字" panose="02000609000000000000" pitchFamily="1" charset="-128"/>
-            </a:endParaRPr>
-          </a:p>
-          <a:p>
-            <a:r>
-              <a:rPr kumimoji="1" lang="ja-JP" altLang="en-US" sz="3600" dirty="0">
-                <a:solidFill>
-                  <a:schemeClr val="tx1"/>
-                </a:solidFill>
-                <a:latin typeface="ふい字" panose="02000609000000000000" pitchFamily="1" charset="-128"/>
-                <a:ea typeface="ふい字" panose="02000609000000000000" pitchFamily="1" charset="-128"/>
-              </a:rPr>
-              <a:t>夏：</a:t>
-            </a:r>
-            <a:r>
-              <a:rPr kumimoji="1" lang="en-US" altLang="ja-JP" sz="3600" dirty="0">
-                <a:solidFill>
-                  <a:schemeClr val="tx1"/>
-                </a:solidFill>
-                <a:latin typeface="ふい字" panose="02000609000000000000" pitchFamily="1" charset="-128"/>
-                <a:ea typeface="ふい字" panose="02000609000000000000" pitchFamily="1" charset="-128"/>
-              </a:rPr>
-              <a:t>6</a:t>
-            </a:r>
-            <a:r>
-              <a:rPr kumimoji="1" lang="ja-JP" altLang="en-US" sz="3600" dirty="0">
-                <a:solidFill>
-                  <a:schemeClr val="tx1"/>
-                </a:solidFill>
-                <a:latin typeface="ふい字" panose="02000609000000000000" pitchFamily="1" charset="-128"/>
-                <a:ea typeface="ふい字" panose="02000609000000000000" pitchFamily="1" charset="-128"/>
-              </a:rPr>
-              <a:t>月～</a:t>
-            </a:r>
-            <a:r>
-              <a:rPr kumimoji="1" lang="en-US" altLang="ja-JP" sz="3600" dirty="0">
-                <a:solidFill>
-                  <a:schemeClr val="tx1"/>
-                </a:solidFill>
-                <a:latin typeface="ふい字" panose="02000609000000000000" pitchFamily="1" charset="-128"/>
-                <a:ea typeface="ふい字" panose="02000609000000000000" pitchFamily="1" charset="-128"/>
-              </a:rPr>
-              <a:t>8</a:t>
-            </a:r>
-            <a:r>
-              <a:rPr kumimoji="1" lang="ja-JP" altLang="en-US" sz="3600" dirty="0">
-                <a:solidFill>
-                  <a:schemeClr val="tx1"/>
-                </a:solidFill>
-                <a:latin typeface="ふい字" panose="02000609000000000000" pitchFamily="1" charset="-128"/>
-                <a:ea typeface="ふい字" panose="02000609000000000000" pitchFamily="1" charset="-128"/>
-              </a:rPr>
-              <a:t>月</a:t>
-            </a:r>
-            <a:endParaRPr kumimoji="1" lang="en-US" altLang="ja-JP" sz="3600" dirty="0">
-              <a:solidFill>
-                <a:schemeClr val="tx1"/>
-              </a:solidFill>
-              <a:latin typeface="ふい字" panose="02000609000000000000" pitchFamily="1" charset="-128"/>
-              <a:ea typeface="ふい字" panose="02000609000000000000" pitchFamily="1" charset="-128"/>
-            </a:endParaRPr>
-          </a:p>
-          <a:p>
-            <a:r>
-              <a:rPr kumimoji="1" lang="ja-JP" altLang="en-US" sz="3600" dirty="0">
-                <a:solidFill>
-                  <a:schemeClr val="tx1"/>
-                </a:solidFill>
-                <a:latin typeface="ふい字" panose="02000609000000000000" pitchFamily="1" charset="-128"/>
-                <a:ea typeface="ふい字" panose="02000609000000000000" pitchFamily="1" charset="-128"/>
-              </a:rPr>
-              <a:t>秋：</a:t>
-            </a:r>
-            <a:r>
-              <a:rPr kumimoji="1" lang="en-US" altLang="ja-JP" sz="3600" dirty="0">
-                <a:solidFill>
-                  <a:schemeClr val="tx1"/>
-                </a:solidFill>
-                <a:latin typeface="ふい字" panose="02000609000000000000" pitchFamily="1" charset="-128"/>
-                <a:ea typeface="ふい字" panose="02000609000000000000" pitchFamily="1" charset="-128"/>
-              </a:rPr>
-              <a:t>9</a:t>
-            </a:r>
-            <a:r>
-              <a:rPr kumimoji="1" lang="ja-JP" altLang="en-US" sz="3600" dirty="0">
-                <a:solidFill>
-                  <a:schemeClr val="tx1"/>
-                </a:solidFill>
-                <a:latin typeface="ふい字" panose="02000609000000000000" pitchFamily="1" charset="-128"/>
-                <a:ea typeface="ふい字" panose="02000609000000000000" pitchFamily="1" charset="-128"/>
-              </a:rPr>
-              <a:t>月～</a:t>
-            </a:r>
-            <a:r>
-              <a:rPr kumimoji="1" lang="en-US" altLang="ja-JP" sz="3600" dirty="0">
-                <a:solidFill>
-                  <a:schemeClr val="tx1"/>
-                </a:solidFill>
-                <a:latin typeface="ふい字" panose="02000609000000000000" pitchFamily="1" charset="-128"/>
-                <a:ea typeface="ふい字" panose="02000609000000000000" pitchFamily="1" charset="-128"/>
-              </a:rPr>
-              <a:t>11</a:t>
-            </a:r>
-            <a:r>
-              <a:rPr kumimoji="1" lang="ja-JP" altLang="en-US" sz="3600" dirty="0">
-                <a:solidFill>
-                  <a:schemeClr val="tx1"/>
-                </a:solidFill>
-                <a:latin typeface="ふい字" panose="02000609000000000000" pitchFamily="1" charset="-128"/>
-                <a:ea typeface="ふい字" panose="02000609000000000000" pitchFamily="1" charset="-128"/>
-              </a:rPr>
-              <a:t>月</a:t>
-            </a:r>
-            <a:endParaRPr kumimoji="1" lang="en-US" altLang="ja-JP" sz="3600" dirty="0">
-              <a:solidFill>
-                <a:schemeClr val="tx1"/>
-              </a:solidFill>
-              <a:latin typeface="ふい字" panose="02000609000000000000" pitchFamily="1" charset="-128"/>
-              <a:ea typeface="ふい字" panose="02000609000000000000" pitchFamily="1" charset="-128"/>
-            </a:endParaRPr>
-          </a:p>
-          <a:p>
-            <a:r>
-              <a:rPr kumimoji="1" lang="ja-JP" altLang="en-US" sz="3600" dirty="0">
-                <a:solidFill>
-                  <a:schemeClr val="tx1"/>
-                </a:solidFill>
-                <a:latin typeface="ふい字" panose="02000609000000000000" pitchFamily="1" charset="-128"/>
-                <a:ea typeface="ふい字" panose="02000609000000000000" pitchFamily="1" charset="-128"/>
-              </a:rPr>
-              <a:t>冬：</a:t>
-            </a:r>
-            <a:r>
-              <a:rPr kumimoji="1" lang="en-US" altLang="ja-JP" sz="3600" dirty="0">
-                <a:solidFill>
-                  <a:schemeClr val="tx1"/>
-                </a:solidFill>
-                <a:latin typeface="ふい字" panose="02000609000000000000" pitchFamily="1" charset="-128"/>
-                <a:ea typeface="ふい字" panose="02000609000000000000" pitchFamily="1" charset="-128"/>
-              </a:rPr>
-              <a:t>12</a:t>
-            </a:r>
-            <a:r>
-              <a:rPr kumimoji="1" lang="ja-JP" altLang="en-US" sz="3600" dirty="0">
-                <a:solidFill>
-                  <a:schemeClr val="tx1"/>
-                </a:solidFill>
-                <a:latin typeface="ふい字" panose="02000609000000000000" pitchFamily="1" charset="-128"/>
-                <a:ea typeface="ふい字" panose="02000609000000000000" pitchFamily="1" charset="-128"/>
-              </a:rPr>
-              <a:t>月～</a:t>
-            </a:r>
-            <a:r>
-              <a:rPr kumimoji="1" lang="en-US" altLang="ja-JP" sz="3600" dirty="0">
-                <a:solidFill>
-                  <a:schemeClr val="tx1"/>
-                </a:solidFill>
-                <a:latin typeface="ふい字" panose="02000609000000000000" pitchFamily="1" charset="-128"/>
-                <a:ea typeface="ふい字" panose="02000609000000000000" pitchFamily="1" charset="-128"/>
-              </a:rPr>
-              <a:t>2</a:t>
-            </a:r>
-            <a:r>
-              <a:rPr kumimoji="1" lang="ja-JP" altLang="en-US" sz="3600" dirty="0">
-                <a:solidFill>
-                  <a:schemeClr val="tx1"/>
-                </a:solidFill>
-                <a:latin typeface="ふい字" panose="02000609000000000000" pitchFamily="1" charset="-128"/>
-                <a:ea typeface="ふい字" panose="02000609000000000000" pitchFamily="1" charset="-128"/>
-              </a:rPr>
-              <a:t>月</a:t>
-            </a:r>
-            <a:endParaRPr kumimoji="1" lang="en-US" altLang="ja-JP" sz="3600" dirty="0">
-              <a:solidFill>
-                <a:schemeClr val="tx1"/>
-              </a:solidFill>
-              <a:latin typeface="ふい字" panose="02000609000000000000" pitchFamily="1" charset="-128"/>
-              <a:ea typeface="ふい字" panose="02000609000000000000" pitchFamily="1" charset="-128"/>
-            </a:endParaRPr>
-          </a:p>
-          <a:p>
-            <a:pPr marL="0" indent="0">
-              <a:buNone/>
-            </a:pPr>
-            <a:r>
-              <a:rPr kumimoji="1" lang="ja-JP" altLang="en-US" sz="3600" dirty="0">
-                <a:solidFill>
-                  <a:schemeClr val="tx1"/>
-                </a:solidFill>
-                <a:latin typeface="ふい字" panose="02000609000000000000" pitchFamily="1" charset="-128"/>
-                <a:ea typeface="ふい字" panose="02000609000000000000" pitchFamily="1" charset="-128"/>
-              </a:rPr>
-              <a:t>本実習では、この分け方を使うこと</a:t>
-            </a:r>
-          </a:p>
-        </p:txBody>
-      </p:sp>
-    </p:spTree>
-    <p:extLst>
-      <p:ext uri="{BB962C8B-B14F-4D97-AF65-F5344CB8AC3E}">
-        <p14:creationId xmlns:p14="http://schemas.microsoft.com/office/powerpoint/2010/main" val="1360803097"/>
       </p:ext>
     </p:extLst>
   </p:cSld>
